--- a/ERD.pptx
+++ b/ERD.pptx
@@ -5,7 +5,7 @@
     <p:sldMasterId id="2147483648" r:id="rId1"/>
   </p:sldMasterIdLst>
   <p:notesMasterIdLst>
-    <p:notesMasterId r:id="rId8"/>
+    <p:notesMasterId r:id="rId11"/>
   </p:notesMasterIdLst>
   <p:sldIdLst>
     <p:sldId id="256" r:id="rId2"/>
@@ -14,6 +14,9 @@
     <p:sldId id="259" r:id="rId5"/>
     <p:sldId id="260" r:id="rId6"/>
     <p:sldId id="261" r:id="rId7"/>
+    <p:sldId id="262" r:id="rId8"/>
+    <p:sldId id="263" r:id="rId9"/>
+    <p:sldId id="265" r:id="rId10"/>
   </p:sldIdLst>
   <p:sldSz cx="12192000" cy="6858000"/>
   <p:notesSz cx="6858000" cy="9144000"/>
@@ -112,6 +115,11 @@
       </a:defRPr>
     </a:lvl9pPr>
   </p:defaultTextStyle>
+  <p:extLst>
+    <p:ext uri="{EFAFB233-063F-42B5-8137-9DF3F51BA10A}">
+      <p15:sldGuideLst xmlns:p15="http://schemas.microsoft.com/office/powerpoint/2012/main"/>
+    </p:ext>
+  </p:extLst>
 </p:presentation>
 </file>
 
@@ -197,7 +205,7 @@
           <a:p>
             <a:fld id="{8C77C444-B04E-4F83-BED1-AA1693D1B78E}" type="datetimeFigureOut">
               <a:rPr lang="ko-KR" altLang="en-US" smtClean="0"/>
-              <a:t>2024-08-29</a:t>
+              <a:t>2024-09-02</a:t>
             </a:fld>
             <a:endParaRPr lang="ko-KR" altLang="en-US"/>
           </a:p>
@@ -695,7 +703,7 @@
           <a:p>
             <a:fld id="{360FAC21-966C-445C-9BB1-778A752A4F44}" type="datetimeFigureOut">
               <a:rPr lang="ko-KR" altLang="en-US" smtClean="0"/>
-              <a:t>2024-08-29</a:t>
+              <a:t>2024-09-02</a:t>
             </a:fld>
             <a:endParaRPr lang="ko-KR" altLang="en-US"/>
           </a:p>
@@ -893,7 +901,7 @@
           <a:p>
             <a:fld id="{360FAC21-966C-445C-9BB1-778A752A4F44}" type="datetimeFigureOut">
               <a:rPr lang="ko-KR" altLang="en-US" smtClean="0"/>
-              <a:t>2024-08-29</a:t>
+              <a:t>2024-09-02</a:t>
             </a:fld>
             <a:endParaRPr lang="ko-KR" altLang="en-US"/>
           </a:p>
@@ -1101,7 +1109,7 @@
           <a:p>
             <a:fld id="{360FAC21-966C-445C-9BB1-778A752A4F44}" type="datetimeFigureOut">
               <a:rPr lang="ko-KR" altLang="en-US" smtClean="0"/>
-              <a:t>2024-08-29</a:t>
+              <a:t>2024-09-02</a:t>
             </a:fld>
             <a:endParaRPr lang="ko-KR" altLang="en-US"/>
           </a:p>
@@ -1299,7 +1307,7 @@
           <a:p>
             <a:fld id="{360FAC21-966C-445C-9BB1-778A752A4F44}" type="datetimeFigureOut">
               <a:rPr lang="ko-KR" altLang="en-US" smtClean="0"/>
-              <a:t>2024-08-29</a:t>
+              <a:t>2024-09-02</a:t>
             </a:fld>
             <a:endParaRPr lang="ko-KR" altLang="en-US"/>
           </a:p>
@@ -1574,7 +1582,7 @@
           <a:p>
             <a:fld id="{360FAC21-966C-445C-9BB1-778A752A4F44}" type="datetimeFigureOut">
               <a:rPr lang="ko-KR" altLang="en-US" smtClean="0"/>
-              <a:t>2024-08-29</a:t>
+              <a:t>2024-09-02</a:t>
             </a:fld>
             <a:endParaRPr lang="ko-KR" altLang="en-US"/>
           </a:p>
@@ -1839,7 +1847,7 @@
           <a:p>
             <a:fld id="{360FAC21-966C-445C-9BB1-778A752A4F44}" type="datetimeFigureOut">
               <a:rPr lang="ko-KR" altLang="en-US" smtClean="0"/>
-              <a:t>2024-08-29</a:t>
+              <a:t>2024-09-02</a:t>
             </a:fld>
             <a:endParaRPr lang="ko-KR" altLang="en-US"/>
           </a:p>
@@ -2251,7 +2259,7 @@
           <a:p>
             <a:fld id="{360FAC21-966C-445C-9BB1-778A752A4F44}" type="datetimeFigureOut">
               <a:rPr lang="ko-KR" altLang="en-US" smtClean="0"/>
-              <a:t>2024-08-29</a:t>
+              <a:t>2024-09-02</a:t>
             </a:fld>
             <a:endParaRPr lang="ko-KR" altLang="en-US"/>
           </a:p>
@@ -2392,7 +2400,7 @@
           <a:p>
             <a:fld id="{360FAC21-966C-445C-9BB1-778A752A4F44}" type="datetimeFigureOut">
               <a:rPr lang="ko-KR" altLang="en-US" smtClean="0"/>
-              <a:t>2024-08-29</a:t>
+              <a:t>2024-09-02</a:t>
             </a:fld>
             <a:endParaRPr lang="ko-KR" altLang="en-US"/>
           </a:p>
@@ -2505,7 +2513,7 @@
           <a:p>
             <a:fld id="{360FAC21-966C-445C-9BB1-778A752A4F44}" type="datetimeFigureOut">
               <a:rPr lang="ko-KR" altLang="en-US" smtClean="0"/>
-              <a:t>2024-08-29</a:t>
+              <a:t>2024-09-02</a:t>
             </a:fld>
             <a:endParaRPr lang="ko-KR" altLang="en-US"/>
           </a:p>
@@ -2816,7 +2824,7 @@
           <a:p>
             <a:fld id="{360FAC21-966C-445C-9BB1-778A752A4F44}" type="datetimeFigureOut">
               <a:rPr lang="ko-KR" altLang="en-US" smtClean="0"/>
-              <a:t>2024-08-29</a:t>
+              <a:t>2024-09-02</a:t>
             </a:fld>
             <a:endParaRPr lang="ko-KR" altLang="en-US"/>
           </a:p>
@@ -3104,7 +3112,7 @@
           <a:p>
             <a:fld id="{360FAC21-966C-445C-9BB1-778A752A4F44}" type="datetimeFigureOut">
               <a:rPr lang="ko-KR" altLang="en-US" smtClean="0"/>
-              <a:t>2024-08-29</a:t>
+              <a:t>2024-09-02</a:t>
             </a:fld>
             <a:endParaRPr lang="ko-KR" altLang="en-US"/>
           </a:p>
@@ -3345,7 +3353,7 @@
           <a:p>
             <a:fld id="{360FAC21-966C-445C-9BB1-778A752A4F44}" type="datetimeFigureOut">
               <a:rPr lang="ko-KR" altLang="en-US" smtClean="0"/>
-              <a:t>2024-08-29</a:t>
+              <a:t>2024-09-02</a:t>
             </a:fld>
             <a:endParaRPr lang="ko-KR" altLang="en-US"/>
           </a:p>
@@ -7269,6 +7277,2852 @@
     <p:extLst>
       <p:ext uri="{BB962C8B-B14F-4D97-AF65-F5344CB8AC3E}">
         <p14:creationId xmlns:p14="http://schemas.microsoft.com/office/powerpoint/2010/main" val="785271975"/>
+      </p:ext>
+    </p:extLst>
+  </p:cSld>
+  <p:clrMapOvr>
+    <a:masterClrMapping/>
+  </p:clrMapOvr>
+</p:sld>
+</file>
+
+<file path=ppt/slides/slide7.xml><?xml version="1.0" encoding="utf-8"?>
+<p:sld xmlns:a="http://schemas.openxmlformats.org/drawingml/2006/main" xmlns:r="http://schemas.openxmlformats.org/officeDocument/2006/relationships" xmlns:p="http://schemas.openxmlformats.org/presentationml/2006/main">
+  <p:cSld>
+    <p:spTree>
+      <p:nvGrpSpPr>
+        <p:cNvPr id="1" name=""/>
+        <p:cNvGrpSpPr/>
+        <p:nvPr/>
+      </p:nvGrpSpPr>
+      <p:grpSpPr>
+        <a:xfrm>
+          <a:off x="0" y="0"/>
+          <a:ext cx="0" cy="0"/>
+          <a:chOff x="0" y="0"/>
+          <a:chExt cx="0" cy="0"/>
+        </a:xfrm>
+      </p:grpSpPr>
+      <p:pic>
+        <p:nvPicPr>
+          <p:cNvPr id="5" name="그림 4">
+            <a:extLst>
+              <a:ext uri="{FF2B5EF4-FFF2-40B4-BE49-F238E27FC236}">
+                <a16:creationId xmlns:a16="http://schemas.microsoft.com/office/drawing/2014/main" id="{A9321F00-C01B-D186-3D74-EB74D26B1DE2}"/>
+              </a:ext>
+            </a:extLst>
+          </p:cNvPr>
+          <p:cNvPicPr>
+            <a:picLocks noChangeAspect="1"/>
+          </p:cNvPicPr>
+          <p:nvPr/>
+        </p:nvPicPr>
+        <p:blipFill>
+          <a:blip r:embed="rId2">
+            <a:extLst>
+              <a:ext uri="{28A0092B-C50C-407E-A947-70E740481C1C}">
+                <a14:useLocalDpi xmlns:a14="http://schemas.microsoft.com/office/drawing/2010/main" val="0"/>
+              </a:ext>
+            </a:extLst>
+          </a:blip>
+          <a:stretch>
+            <a:fillRect/>
+          </a:stretch>
+        </p:blipFill>
+        <p:spPr>
+          <a:xfrm>
+            <a:off x="1574367" y="177655"/>
+            <a:ext cx="8133052" cy="6269467"/>
+          </a:xfrm>
+          <a:prstGeom prst="rect">
+            <a:avLst/>
+          </a:prstGeom>
+        </p:spPr>
+      </p:pic>
+    </p:spTree>
+    <p:extLst>
+      <p:ext uri="{BB962C8B-B14F-4D97-AF65-F5344CB8AC3E}">
+        <p14:creationId xmlns:p14="http://schemas.microsoft.com/office/powerpoint/2010/main" val="4234179795"/>
+      </p:ext>
+    </p:extLst>
+  </p:cSld>
+  <p:clrMapOvr>
+    <a:masterClrMapping/>
+  </p:clrMapOvr>
+</p:sld>
+</file>
+
+<file path=ppt/slides/slide8.xml><?xml version="1.0" encoding="utf-8"?>
+<p:sld xmlns:a="http://schemas.openxmlformats.org/drawingml/2006/main" xmlns:r="http://schemas.openxmlformats.org/officeDocument/2006/relationships" xmlns:p="http://schemas.openxmlformats.org/presentationml/2006/main">
+  <p:cSld>
+    <p:spTree>
+      <p:nvGrpSpPr>
+        <p:cNvPr id="1" name=""/>
+        <p:cNvGrpSpPr/>
+        <p:nvPr/>
+      </p:nvGrpSpPr>
+      <p:grpSpPr>
+        <a:xfrm>
+          <a:off x="0" y="0"/>
+          <a:ext cx="0" cy="0"/>
+          <a:chOff x="0" y="0"/>
+          <a:chExt cx="0" cy="0"/>
+        </a:xfrm>
+      </p:grpSpPr>
+      <p:cxnSp>
+        <p:nvCxnSpPr>
+          <p:cNvPr id="28" name="연결선: 꺾임 27">
+            <a:extLst>
+              <a:ext uri="{FF2B5EF4-FFF2-40B4-BE49-F238E27FC236}">
+                <a16:creationId xmlns:a16="http://schemas.microsoft.com/office/drawing/2014/main" id="{9F1CC875-8EAE-435C-E9E6-2938C4AFC2D6}"/>
+              </a:ext>
+            </a:extLst>
+          </p:cNvPr>
+          <p:cNvCxnSpPr>
+            <a:cxnSpLocks/>
+            <a:stCxn id="6" idx="2"/>
+          </p:cNvCxnSpPr>
+          <p:nvPr/>
+        </p:nvCxnSpPr>
+        <p:spPr>
+          <a:xfrm rot="5400000" flipH="1" flipV="1">
+            <a:off x="6246091" y="2984797"/>
+            <a:ext cx="152400" cy="4472116"/>
+          </a:xfrm>
+          <a:prstGeom prst="bentConnector4">
+            <a:avLst>
+              <a:gd name="adj1" fmla="val -519697"/>
+              <a:gd name="adj2" fmla="val 99774"/>
+            </a:avLst>
+          </a:prstGeom>
+          <a:ln w="38100">
+            <a:solidFill>
+              <a:srgbClr val="C00000"/>
+            </a:solidFill>
+          </a:ln>
+        </p:spPr>
+        <p:style>
+          <a:lnRef idx="1">
+            <a:schemeClr val="accent1"/>
+          </a:lnRef>
+          <a:fillRef idx="0">
+            <a:schemeClr val="accent1"/>
+          </a:fillRef>
+          <a:effectRef idx="0">
+            <a:schemeClr val="accent1"/>
+          </a:effectRef>
+          <a:fontRef idx="minor">
+            <a:schemeClr val="tx1"/>
+          </a:fontRef>
+        </p:style>
+      </p:cxnSp>
+      <p:sp>
+        <p:nvSpPr>
+          <p:cNvPr id="4" name="TextBox 3">
+            <a:extLst>
+              <a:ext uri="{FF2B5EF4-FFF2-40B4-BE49-F238E27FC236}">
+                <a16:creationId xmlns:a16="http://schemas.microsoft.com/office/drawing/2014/main" id="{9404B9B6-A7F2-BE9C-852F-41891687187C}"/>
+              </a:ext>
+            </a:extLst>
+          </p:cNvPr>
+          <p:cNvSpPr txBox="1"/>
+          <p:nvPr/>
+        </p:nvSpPr>
+        <p:spPr>
+          <a:xfrm>
+            <a:off x="249382" y="332508"/>
+            <a:ext cx="2334293" cy="369332"/>
+          </a:xfrm>
+          <a:prstGeom prst="rect">
+            <a:avLst/>
+          </a:prstGeom>
+          <a:noFill/>
+        </p:spPr>
+        <p:txBody>
+          <a:bodyPr wrap="none" rtlCol="0">
+            <a:spAutoFit/>
+          </a:bodyPr>
+          <a:lstStyle/>
+          <a:p>
+            <a:r>
+              <a:rPr lang="ko-KR" altLang="en-US" dirty="0"/>
+              <a:t>요구사항 분석 </a:t>
+            </a:r>
+            <a:r>
+              <a:rPr lang="en-US" altLang="ko-KR" dirty="0"/>
+              <a:t>- ERD</a:t>
+            </a:r>
+            <a:endParaRPr lang="ko-KR" altLang="en-US" dirty="0"/>
+          </a:p>
+        </p:txBody>
+      </p:sp>
+      <p:cxnSp>
+        <p:nvCxnSpPr>
+          <p:cNvPr id="12" name="직선 연결선 11">
+            <a:extLst>
+              <a:ext uri="{FF2B5EF4-FFF2-40B4-BE49-F238E27FC236}">
+                <a16:creationId xmlns:a16="http://schemas.microsoft.com/office/drawing/2014/main" id="{A496484F-5FE4-5096-E7A7-0E0852CC8520}"/>
+              </a:ext>
+            </a:extLst>
+          </p:cNvPr>
+          <p:cNvCxnSpPr>
+            <a:stCxn id="5" idx="2"/>
+          </p:cNvCxnSpPr>
+          <p:nvPr/>
+        </p:nvCxnSpPr>
+        <p:spPr>
+          <a:xfrm>
+            <a:off x="4086233" y="2216727"/>
+            <a:ext cx="0" cy="1223695"/>
+          </a:xfrm>
+          <a:prstGeom prst="line">
+            <a:avLst/>
+          </a:prstGeom>
+          <a:ln w="38100">
+            <a:solidFill>
+              <a:srgbClr val="C00000"/>
+            </a:solidFill>
+          </a:ln>
+        </p:spPr>
+        <p:style>
+          <a:lnRef idx="1">
+            <a:schemeClr val="accent1"/>
+          </a:lnRef>
+          <a:fillRef idx="0">
+            <a:schemeClr val="accent1"/>
+          </a:fillRef>
+          <a:effectRef idx="0">
+            <a:schemeClr val="accent1"/>
+          </a:effectRef>
+          <a:fontRef idx="minor">
+            <a:schemeClr val="tx1"/>
+          </a:fontRef>
+        </p:style>
+      </p:cxnSp>
+      <p:cxnSp>
+        <p:nvCxnSpPr>
+          <p:cNvPr id="14" name="직선 연결선 13">
+            <a:extLst>
+              <a:ext uri="{FF2B5EF4-FFF2-40B4-BE49-F238E27FC236}">
+                <a16:creationId xmlns:a16="http://schemas.microsoft.com/office/drawing/2014/main" id="{9AA363EA-B1D0-3A12-22F7-C20CECBF2981}"/>
+              </a:ext>
+            </a:extLst>
+          </p:cNvPr>
+          <p:cNvCxnSpPr>
+            <a:stCxn id="7" idx="2"/>
+          </p:cNvCxnSpPr>
+          <p:nvPr/>
+        </p:nvCxnSpPr>
+        <p:spPr>
+          <a:xfrm flipH="1">
+            <a:off x="4092962" y="3768313"/>
+            <a:ext cx="1" cy="1071541"/>
+          </a:xfrm>
+          <a:prstGeom prst="line">
+            <a:avLst/>
+          </a:prstGeom>
+          <a:ln w="38100">
+            <a:solidFill>
+              <a:srgbClr val="C00000"/>
+            </a:solidFill>
+          </a:ln>
+        </p:spPr>
+        <p:style>
+          <a:lnRef idx="1">
+            <a:schemeClr val="accent1"/>
+          </a:lnRef>
+          <a:fillRef idx="0">
+            <a:schemeClr val="accent1"/>
+          </a:fillRef>
+          <a:effectRef idx="0">
+            <a:schemeClr val="accent1"/>
+          </a:effectRef>
+          <a:fontRef idx="minor">
+            <a:schemeClr val="tx1"/>
+          </a:fontRef>
+        </p:style>
+      </p:cxnSp>
+      <p:cxnSp>
+        <p:nvCxnSpPr>
+          <p:cNvPr id="16" name="직선 연결선 15">
+            <a:extLst>
+              <a:ext uri="{FF2B5EF4-FFF2-40B4-BE49-F238E27FC236}">
+                <a16:creationId xmlns:a16="http://schemas.microsoft.com/office/drawing/2014/main" id="{E0679488-6B5C-82F0-F511-5149F7330BE7}"/>
+              </a:ext>
+            </a:extLst>
+          </p:cNvPr>
+          <p:cNvCxnSpPr>
+            <a:stCxn id="6" idx="3"/>
+          </p:cNvCxnSpPr>
+          <p:nvPr/>
+        </p:nvCxnSpPr>
+        <p:spPr>
+          <a:xfrm>
+            <a:off x="4972924" y="4969164"/>
+            <a:ext cx="849745" cy="0"/>
+          </a:xfrm>
+          <a:prstGeom prst="line">
+            <a:avLst/>
+          </a:prstGeom>
+          <a:ln w="38100">
+            <a:solidFill>
+              <a:srgbClr val="C00000"/>
+            </a:solidFill>
+          </a:ln>
+        </p:spPr>
+        <p:style>
+          <a:lnRef idx="1">
+            <a:schemeClr val="accent1"/>
+          </a:lnRef>
+          <a:fillRef idx="0">
+            <a:schemeClr val="accent1"/>
+          </a:fillRef>
+          <a:effectRef idx="0">
+            <a:schemeClr val="accent1"/>
+          </a:effectRef>
+          <a:fontRef idx="minor">
+            <a:schemeClr val="tx1"/>
+          </a:fontRef>
+        </p:style>
+      </p:cxnSp>
+      <p:cxnSp>
+        <p:nvCxnSpPr>
+          <p:cNvPr id="20" name="직선 연결선 19">
+            <a:extLst>
+              <a:ext uri="{FF2B5EF4-FFF2-40B4-BE49-F238E27FC236}">
+                <a16:creationId xmlns:a16="http://schemas.microsoft.com/office/drawing/2014/main" id="{D9BB7E59-26CA-AA5B-17E7-E941F3E4D8BE}"/>
+              </a:ext>
+            </a:extLst>
+          </p:cNvPr>
+          <p:cNvCxnSpPr>
+            <a:stCxn id="5" idx="3"/>
+          </p:cNvCxnSpPr>
+          <p:nvPr/>
+        </p:nvCxnSpPr>
+        <p:spPr>
+          <a:xfrm>
+            <a:off x="4972924" y="1888836"/>
+            <a:ext cx="2152072" cy="0"/>
+          </a:xfrm>
+          <a:prstGeom prst="line">
+            <a:avLst/>
+          </a:prstGeom>
+          <a:ln w="38100">
+            <a:solidFill>
+              <a:srgbClr val="C00000"/>
+            </a:solidFill>
+          </a:ln>
+        </p:spPr>
+        <p:style>
+          <a:lnRef idx="1">
+            <a:schemeClr val="accent1"/>
+          </a:lnRef>
+          <a:fillRef idx="0">
+            <a:schemeClr val="accent1"/>
+          </a:fillRef>
+          <a:effectRef idx="0">
+            <a:schemeClr val="accent1"/>
+          </a:effectRef>
+          <a:fontRef idx="minor">
+            <a:schemeClr val="tx1"/>
+          </a:fontRef>
+        </p:style>
+      </p:cxnSp>
+      <p:cxnSp>
+        <p:nvCxnSpPr>
+          <p:cNvPr id="24" name="연결선: 꺾임 23">
+            <a:extLst>
+              <a:ext uri="{FF2B5EF4-FFF2-40B4-BE49-F238E27FC236}">
+                <a16:creationId xmlns:a16="http://schemas.microsoft.com/office/drawing/2014/main" id="{5922A6F8-FF24-9297-41F3-F9D599CAC415}"/>
+              </a:ext>
+            </a:extLst>
+          </p:cNvPr>
+          <p:cNvCxnSpPr>
+            <a:cxnSpLocks/>
+            <a:stCxn id="10" idx="2"/>
+          </p:cNvCxnSpPr>
+          <p:nvPr/>
+        </p:nvCxnSpPr>
+        <p:spPr>
+          <a:xfrm rot="16200000" flipH="1">
+            <a:off x="7017129" y="3298636"/>
+            <a:ext cx="2623129" cy="459310"/>
+          </a:xfrm>
+          <a:prstGeom prst="bentConnector3">
+            <a:avLst/>
+          </a:prstGeom>
+          <a:ln w="38100">
+            <a:solidFill>
+              <a:srgbClr val="C00000"/>
+            </a:solidFill>
+            <a:tailEnd type="triangle"/>
+          </a:ln>
+        </p:spPr>
+        <p:style>
+          <a:lnRef idx="1">
+            <a:schemeClr val="accent1"/>
+          </a:lnRef>
+          <a:fillRef idx="0">
+            <a:schemeClr val="accent1"/>
+          </a:fillRef>
+          <a:effectRef idx="0">
+            <a:schemeClr val="accent1"/>
+          </a:effectRef>
+          <a:fontRef idx="minor">
+            <a:schemeClr val="tx1"/>
+          </a:fontRef>
+        </p:style>
+      </p:cxnSp>
+      <p:sp>
+        <p:nvSpPr>
+          <p:cNvPr id="5" name="직사각형 4">
+            <a:extLst>
+              <a:ext uri="{FF2B5EF4-FFF2-40B4-BE49-F238E27FC236}">
+                <a16:creationId xmlns:a16="http://schemas.microsoft.com/office/drawing/2014/main" id="{F21A227E-FD94-4A17-5D0B-19DC3B04DAEC}"/>
+              </a:ext>
+            </a:extLst>
+          </p:cNvPr>
+          <p:cNvSpPr/>
+          <p:nvPr/>
+        </p:nvSpPr>
+        <p:spPr>
+          <a:xfrm>
+            <a:off x="3199542" y="1560945"/>
+            <a:ext cx="1773382" cy="655782"/>
+          </a:xfrm>
+          <a:prstGeom prst="rect">
+            <a:avLst/>
+          </a:prstGeom>
+        </p:spPr>
+        <p:style>
+          <a:lnRef idx="2">
+            <a:schemeClr val="accent1">
+              <a:shade val="15000"/>
+            </a:schemeClr>
+          </a:lnRef>
+          <a:fillRef idx="1">
+            <a:schemeClr val="accent1"/>
+          </a:fillRef>
+          <a:effectRef idx="0">
+            <a:schemeClr val="accent1"/>
+          </a:effectRef>
+          <a:fontRef idx="minor">
+            <a:schemeClr val="lt1"/>
+          </a:fontRef>
+        </p:style>
+        <p:txBody>
+          <a:bodyPr rtlCol="0" anchor="ctr"/>
+          <a:lstStyle/>
+          <a:p>
+            <a:pPr algn="ctr"/>
+            <a:r>
+              <a:rPr lang="ko-KR" altLang="en-US" dirty="0"/>
+              <a:t>학생테이블</a:t>
+            </a:r>
+            <a:endParaRPr lang="en-US" altLang="ko-KR" dirty="0"/>
+          </a:p>
+        </p:txBody>
+      </p:sp>
+      <p:sp>
+        <p:nvSpPr>
+          <p:cNvPr id="6" name="직사각형 5">
+            <a:extLst>
+              <a:ext uri="{FF2B5EF4-FFF2-40B4-BE49-F238E27FC236}">
+                <a16:creationId xmlns:a16="http://schemas.microsoft.com/office/drawing/2014/main" id="{D4111550-1A18-C903-3BFB-36D8AFC0380E}"/>
+              </a:ext>
+            </a:extLst>
+          </p:cNvPr>
+          <p:cNvSpPr/>
+          <p:nvPr/>
+        </p:nvSpPr>
+        <p:spPr>
+          <a:xfrm>
+            <a:off x="3199542" y="4641273"/>
+            <a:ext cx="1773382" cy="655782"/>
+          </a:xfrm>
+          <a:prstGeom prst="rect">
+            <a:avLst/>
+          </a:prstGeom>
+        </p:spPr>
+        <p:style>
+          <a:lnRef idx="2">
+            <a:schemeClr val="accent1">
+              <a:shade val="15000"/>
+            </a:schemeClr>
+          </a:lnRef>
+          <a:fillRef idx="1">
+            <a:schemeClr val="accent1"/>
+          </a:fillRef>
+          <a:effectRef idx="0">
+            <a:schemeClr val="accent1"/>
+          </a:effectRef>
+          <a:fontRef idx="minor">
+            <a:schemeClr val="lt1"/>
+          </a:fontRef>
+        </p:style>
+        <p:txBody>
+          <a:bodyPr rtlCol="0" anchor="ctr"/>
+          <a:lstStyle/>
+          <a:p>
+            <a:pPr algn="ctr"/>
+            <a:r>
+              <a:rPr lang="ko-KR" altLang="en-US" dirty="0"/>
+              <a:t>강의테이블</a:t>
+            </a:r>
+            <a:endParaRPr lang="en-US" altLang="ko-KR" dirty="0"/>
+          </a:p>
+        </p:txBody>
+      </p:sp>
+      <p:sp>
+        <p:nvSpPr>
+          <p:cNvPr id="7" name="다이아몬드 6">
+            <a:extLst>
+              <a:ext uri="{FF2B5EF4-FFF2-40B4-BE49-F238E27FC236}">
+                <a16:creationId xmlns:a16="http://schemas.microsoft.com/office/drawing/2014/main" id="{FDEB4480-FD5E-7807-5720-AB90183A1751}"/>
+              </a:ext>
+            </a:extLst>
+          </p:cNvPr>
+          <p:cNvSpPr/>
+          <p:nvPr/>
+        </p:nvSpPr>
+        <p:spPr>
+          <a:xfrm>
+            <a:off x="2753690" y="3112531"/>
+            <a:ext cx="2678545" cy="655782"/>
+          </a:xfrm>
+          <a:prstGeom prst="diamond">
+            <a:avLst/>
+          </a:prstGeom>
+        </p:spPr>
+        <p:style>
+          <a:lnRef idx="2">
+            <a:schemeClr val="accent1">
+              <a:shade val="15000"/>
+            </a:schemeClr>
+          </a:lnRef>
+          <a:fillRef idx="1">
+            <a:schemeClr val="accent1"/>
+          </a:fillRef>
+          <a:effectRef idx="0">
+            <a:schemeClr val="accent1"/>
+          </a:effectRef>
+          <a:fontRef idx="minor">
+            <a:schemeClr val="lt1"/>
+          </a:fontRef>
+        </p:style>
+        <p:txBody>
+          <a:bodyPr rtlCol="0" anchor="ctr"/>
+          <a:lstStyle/>
+          <a:p>
+            <a:pPr algn="ctr"/>
+            <a:r>
+              <a:rPr lang="ko-KR" altLang="en-US" dirty="0"/>
+              <a:t>수강테이블</a:t>
+            </a:r>
+          </a:p>
+        </p:txBody>
+      </p:sp>
+      <p:sp>
+        <p:nvSpPr>
+          <p:cNvPr id="8" name="직사각형 7">
+            <a:extLst>
+              <a:ext uri="{FF2B5EF4-FFF2-40B4-BE49-F238E27FC236}">
+                <a16:creationId xmlns:a16="http://schemas.microsoft.com/office/drawing/2014/main" id="{814B8EB9-BA5E-83B2-6689-200D55599033}"/>
+              </a:ext>
+            </a:extLst>
+          </p:cNvPr>
+          <p:cNvSpPr/>
+          <p:nvPr/>
+        </p:nvSpPr>
+        <p:spPr>
+          <a:xfrm>
+            <a:off x="5432235" y="4641273"/>
+            <a:ext cx="1773382" cy="655782"/>
+          </a:xfrm>
+          <a:prstGeom prst="rect">
+            <a:avLst/>
+          </a:prstGeom>
+        </p:spPr>
+        <p:style>
+          <a:lnRef idx="2">
+            <a:schemeClr val="accent1">
+              <a:shade val="15000"/>
+            </a:schemeClr>
+          </a:lnRef>
+          <a:fillRef idx="1">
+            <a:schemeClr val="accent1"/>
+          </a:fillRef>
+          <a:effectRef idx="0">
+            <a:schemeClr val="accent1"/>
+          </a:effectRef>
+          <a:fontRef idx="minor">
+            <a:schemeClr val="lt1"/>
+          </a:fontRef>
+        </p:style>
+        <p:txBody>
+          <a:bodyPr rtlCol="0" anchor="ctr"/>
+          <a:lstStyle/>
+          <a:p>
+            <a:pPr algn="ctr"/>
+            <a:r>
+              <a:rPr lang="ko-KR" altLang="en-US" dirty="0"/>
+              <a:t>과목테이블</a:t>
+            </a:r>
+            <a:endParaRPr lang="en-US" altLang="ko-KR" dirty="0"/>
+          </a:p>
+        </p:txBody>
+      </p:sp>
+      <p:sp>
+        <p:nvSpPr>
+          <p:cNvPr id="9" name="직사각형 8">
+            <a:extLst>
+              <a:ext uri="{FF2B5EF4-FFF2-40B4-BE49-F238E27FC236}">
+                <a16:creationId xmlns:a16="http://schemas.microsoft.com/office/drawing/2014/main" id="{EF02D968-5C5F-7A65-6F01-4DDDBF4723F0}"/>
+              </a:ext>
+            </a:extLst>
+          </p:cNvPr>
+          <p:cNvSpPr/>
+          <p:nvPr/>
+        </p:nvSpPr>
+        <p:spPr>
+          <a:xfrm>
+            <a:off x="7664928" y="4641273"/>
+            <a:ext cx="1773382" cy="655782"/>
+          </a:xfrm>
+          <a:prstGeom prst="rect">
+            <a:avLst/>
+          </a:prstGeom>
+        </p:spPr>
+        <p:style>
+          <a:lnRef idx="2">
+            <a:schemeClr val="accent1">
+              <a:shade val="15000"/>
+            </a:schemeClr>
+          </a:lnRef>
+          <a:fillRef idx="1">
+            <a:schemeClr val="accent1"/>
+          </a:fillRef>
+          <a:effectRef idx="0">
+            <a:schemeClr val="accent1"/>
+          </a:effectRef>
+          <a:fontRef idx="minor">
+            <a:schemeClr val="lt1"/>
+          </a:fontRef>
+        </p:style>
+        <p:txBody>
+          <a:bodyPr rtlCol="0" anchor="ctr"/>
+          <a:lstStyle/>
+          <a:p>
+            <a:pPr algn="ctr"/>
+            <a:r>
+              <a:rPr lang="ko-KR" altLang="en-US" dirty="0"/>
+              <a:t>교수테이블</a:t>
+            </a:r>
+            <a:endParaRPr lang="en-US" altLang="ko-KR" dirty="0"/>
+          </a:p>
+        </p:txBody>
+      </p:sp>
+      <p:sp>
+        <p:nvSpPr>
+          <p:cNvPr id="10" name="다이아몬드 9">
+            <a:extLst>
+              <a:ext uri="{FF2B5EF4-FFF2-40B4-BE49-F238E27FC236}">
+                <a16:creationId xmlns:a16="http://schemas.microsoft.com/office/drawing/2014/main" id="{4A456B5F-974F-AD47-74B4-E280132CCE38}"/>
+              </a:ext>
+            </a:extLst>
+          </p:cNvPr>
+          <p:cNvSpPr/>
+          <p:nvPr/>
+        </p:nvSpPr>
+        <p:spPr>
+          <a:xfrm>
+            <a:off x="6759765" y="1560945"/>
+            <a:ext cx="2678545" cy="655782"/>
+          </a:xfrm>
+          <a:prstGeom prst="diamond">
+            <a:avLst/>
+          </a:prstGeom>
+        </p:spPr>
+        <p:style>
+          <a:lnRef idx="2">
+            <a:schemeClr val="accent1">
+              <a:shade val="15000"/>
+            </a:schemeClr>
+          </a:lnRef>
+          <a:fillRef idx="1">
+            <a:schemeClr val="accent1"/>
+          </a:fillRef>
+          <a:effectRef idx="0">
+            <a:schemeClr val="accent1"/>
+          </a:effectRef>
+          <a:fontRef idx="minor">
+            <a:schemeClr val="lt1"/>
+          </a:fontRef>
+        </p:style>
+        <p:txBody>
+          <a:bodyPr rtlCol="0" anchor="ctr"/>
+          <a:lstStyle/>
+          <a:p>
+            <a:pPr algn="ctr"/>
+            <a:r>
+              <a:rPr lang="ko-KR" altLang="en-US" dirty="0"/>
+              <a:t>지도테이블</a:t>
+            </a:r>
+          </a:p>
+        </p:txBody>
+      </p:sp>
+    </p:spTree>
+    <p:extLst>
+      <p:ext uri="{BB962C8B-B14F-4D97-AF65-F5344CB8AC3E}">
+        <p14:creationId xmlns:p14="http://schemas.microsoft.com/office/powerpoint/2010/main" val="1036278941"/>
+      </p:ext>
+    </p:extLst>
+  </p:cSld>
+  <p:clrMapOvr>
+    <a:masterClrMapping/>
+  </p:clrMapOvr>
+</p:sld>
+</file>
+
+<file path=ppt/slides/slide9.xml><?xml version="1.0" encoding="utf-8"?>
+<p:sld xmlns:a="http://schemas.openxmlformats.org/drawingml/2006/main" xmlns:r="http://schemas.openxmlformats.org/officeDocument/2006/relationships" xmlns:p="http://schemas.openxmlformats.org/presentationml/2006/main">
+  <p:cSld>
+    <p:spTree>
+      <p:nvGrpSpPr>
+        <p:cNvPr id="1" name=""/>
+        <p:cNvGrpSpPr/>
+        <p:nvPr/>
+      </p:nvGrpSpPr>
+      <p:grpSpPr>
+        <a:xfrm>
+          <a:off x="0" y="0"/>
+          <a:ext cx="0" cy="0"/>
+          <a:chOff x="0" y="0"/>
+          <a:chExt cx="0" cy="0"/>
+        </a:xfrm>
+      </p:grpSpPr>
+      <p:sp>
+        <p:nvSpPr>
+          <p:cNvPr id="2" name="직사각형 1">
+            <a:extLst>
+              <a:ext uri="{FF2B5EF4-FFF2-40B4-BE49-F238E27FC236}">
+                <a16:creationId xmlns:a16="http://schemas.microsoft.com/office/drawing/2014/main" id="{5BCE8313-A108-E459-861D-F3750B5FF671}"/>
+              </a:ext>
+            </a:extLst>
+          </p:cNvPr>
+          <p:cNvSpPr/>
+          <p:nvPr/>
+        </p:nvSpPr>
+        <p:spPr>
+          <a:xfrm>
+            <a:off x="0" y="0"/>
+            <a:ext cx="3977640" cy="1706880"/>
+          </a:xfrm>
+          <a:prstGeom prst="rect">
+            <a:avLst/>
+          </a:prstGeom>
+          <a:noFill/>
+        </p:spPr>
+        <p:style>
+          <a:lnRef idx="2">
+            <a:schemeClr val="accent1">
+              <a:shade val="15000"/>
+            </a:schemeClr>
+          </a:lnRef>
+          <a:fillRef idx="1">
+            <a:schemeClr val="accent1"/>
+          </a:fillRef>
+          <a:effectRef idx="0">
+            <a:schemeClr val="accent1"/>
+          </a:effectRef>
+          <a:fontRef idx="minor">
+            <a:schemeClr val="lt1"/>
+          </a:fontRef>
+        </p:style>
+        <p:txBody>
+          <a:bodyPr rtlCol="0" anchor="t"/>
+          <a:lstStyle/>
+          <a:p>
+            <a:r>
+              <a:rPr lang="ko-KR" altLang="en-US" dirty="0">
+                <a:solidFill>
+                  <a:schemeClr val="tx1"/>
+                </a:solidFill>
+              </a:rPr>
+              <a:t>학생테이블</a:t>
+            </a:r>
+            <a:r>
+              <a:rPr lang="en-US" altLang="ko-KR" dirty="0">
+                <a:solidFill>
+                  <a:schemeClr val="tx1"/>
+                </a:solidFill>
+              </a:rPr>
+              <a:t>(student)</a:t>
+            </a:r>
+          </a:p>
+          <a:p>
+            <a:r>
+              <a:rPr lang="ko-KR" altLang="en-US" dirty="0">
+                <a:solidFill>
+                  <a:schemeClr val="tx1"/>
+                </a:solidFill>
+              </a:rPr>
+              <a:t>학번</a:t>
+            </a:r>
+            <a:r>
+              <a:rPr lang="en-US" altLang="ko-KR" dirty="0">
+                <a:solidFill>
+                  <a:schemeClr val="tx1"/>
+                </a:solidFill>
+              </a:rPr>
+              <a:t>(</a:t>
+            </a:r>
+            <a:r>
+              <a:rPr lang="en-US" altLang="ko-KR" dirty="0" err="1">
+                <a:solidFill>
+                  <a:schemeClr val="tx1"/>
+                </a:solidFill>
+              </a:rPr>
+              <a:t>st_num</a:t>
+            </a:r>
+            <a:r>
+              <a:rPr lang="en-US" altLang="ko-KR" dirty="0">
+                <a:solidFill>
+                  <a:schemeClr val="tx1"/>
+                </a:solidFill>
+              </a:rPr>
+              <a:t>)</a:t>
+            </a:r>
+            <a:r>
+              <a:rPr lang="ko-KR" altLang="en-US" dirty="0">
+                <a:solidFill>
+                  <a:schemeClr val="tx1"/>
+                </a:solidFill>
+              </a:rPr>
+              <a:t> </a:t>
+            </a:r>
+            <a:r>
+              <a:rPr lang="en-US" altLang="ko-KR" dirty="0">
+                <a:solidFill>
+                  <a:schemeClr val="tx1"/>
+                </a:solidFill>
+              </a:rPr>
+              <a:t>int</a:t>
+            </a:r>
+            <a:r>
+              <a:rPr lang="ko-KR" altLang="en-US" dirty="0">
+                <a:solidFill>
+                  <a:schemeClr val="tx1"/>
+                </a:solidFill>
+              </a:rPr>
+              <a:t> </a:t>
+            </a:r>
+            <a:r>
+              <a:rPr lang="en-US" altLang="ko-KR" dirty="0">
+                <a:solidFill>
+                  <a:schemeClr val="tx1"/>
+                </a:solidFill>
+              </a:rPr>
+              <a:t>pk</a:t>
+            </a:r>
+          </a:p>
+          <a:p>
+            <a:r>
+              <a:rPr lang="ko-KR" altLang="en-US" dirty="0">
+                <a:solidFill>
+                  <a:schemeClr val="tx1"/>
+                </a:solidFill>
+              </a:rPr>
+              <a:t>이름</a:t>
+            </a:r>
+            <a:r>
+              <a:rPr lang="en-US" altLang="ko-KR" dirty="0">
+                <a:solidFill>
+                  <a:schemeClr val="tx1"/>
+                </a:solidFill>
+              </a:rPr>
+              <a:t>(</a:t>
+            </a:r>
+            <a:r>
+              <a:rPr lang="en-US" altLang="ko-KR" dirty="0" err="1">
+                <a:solidFill>
+                  <a:schemeClr val="tx1"/>
+                </a:solidFill>
+              </a:rPr>
+              <a:t>st_name</a:t>
+            </a:r>
+            <a:r>
+              <a:rPr lang="en-US" altLang="ko-KR" dirty="0">
+                <a:solidFill>
+                  <a:schemeClr val="tx1"/>
+                </a:solidFill>
+              </a:rPr>
+              <a:t>)</a:t>
+            </a:r>
+            <a:r>
+              <a:rPr lang="ko-KR" altLang="en-US" dirty="0">
+                <a:solidFill>
+                  <a:schemeClr val="tx1"/>
+                </a:solidFill>
+              </a:rPr>
+              <a:t> </a:t>
+            </a:r>
+            <a:r>
+              <a:rPr lang="en-US" altLang="ko-KR" dirty="0">
+                <a:solidFill>
+                  <a:schemeClr val="tx1"/>
+                </a:solidFill>
+              </a:rPr>
+              <a:t>varchar(20) </a:t>
+            </a:r>
+            <a:r>
+              <a:rPr lang="en-US" altLang="ko-KR" dirty="0" err="1">
+                <a:solidFill>
+                  <a:schemeClr val="tx1"/>
+                </a:solidFill>
+              </a:rPr>
+              <a:t>nn</a:t>
+            </a:r>
+            <a:endParaRPr lang="en-US" altLang="ko-KR" dirty="0">
+              <a:solidFill>
+                <a:schemeClr val="tx1"/>
+              </a:solidFill>
+            </a:endParaRPr>
+          </a:p>
+          <a:p>
+            <a:r>
+              <a:rPr lang="ko-KR" altLang="en-US" dirty="0">
+                <a:solidFill>
+                  <a:schemeClr val="tx1"/>
+                </a:solidFill>
+              </a:rPr>
+              <a:t>이수학기</a:t>
+            </a:r>
+            <a:r>
+              <a:rPr lang="en-US" altLang="ko-KR" dirty="0">
+                <a:solidFill>
+                  <a:schemeClr val="tx1"/>
+                </a:solidFill>
+              </a:rPr>
+              <a:t>(</a:t>
+            </a:r>
+            <a:r>
+              <a:rPr lang="en-US" altLang="ko-KR" dirty="0" err="1">
+                <a:solidFill>
+                  <a:schemeClr val="tx1"/>
+                </a:solidFill>
+              </a:rPr>
+              <a:t>st_term</a:t>
+            </a:r>
+            <a:r>
+              <a:rPr lang="en-US" altLang="ko-KR" dirty="0">
+                <a:solidFill>
+                  <a:schemeClr val="tx1"/>
+                </a:solidFill>
+              </a:rPr>
+              <a:t>)</a:t>
+            </a:r>
+            <a:r>
+              <a:rPr lang="ko-KR" altLang="en-US" dirty="0">
+                <a:solidFill>
+                  <a:schemeClr val="tx1"/>
+                </a:solidFill>
+              </a:rPr>
+              <a:t> </a:t>
+            </a:r>
+            <a:r>
+              <a:rPr lang="en-US" altLang="ko-KR" dirty="0">
+                <a:solidFill>
+                  <a:schemeClr val="tx1"/>
+                </a:solidFill>
+              </a:rPr>
+              <a:t>int</a:t>
+            </a:r>
+            <a:r>
+              <a:rPr lang="ko-KR" altLang="en-US" dirty="0">
+                <a:solidFill>
+                  <a:schemeClr val="tx1"/>
+                </a:solidFill>
+              </a:rPr>
+              <a:t> </a:t>
+            </a:r>
+            <a:r>
+              <a:rPr lang="en-US" altLang="ko-KR" dirty="0" err="1">
+                <a:solidFill>
+                  <a:schemeClr val="tx1"/>
+                </a:solidFill>
+              </a:rPr>
+              <a:t>nn</a:t>
+            </a:r>
+            <a:r>
+              <a:rPr lang="ko-KR" altLang="en-US" dirty="0">
+                <a:solidFill>
+                  <a:schemeClr val="tx1"/>
+                </a:solidFill>
+              </a:rPr>
+              <a:t> </a:t>
+            </a:r>
+            <a:r>
+              <a:rPr lang="en-US" altLang="ko-KR" dirty="0">
+                <a:solidFill>
+                  <a:schemeClr val="tx1"/>
+                </a:solidFill>
+              </a:rPr>
+              <a:t>default 1</a:t>
+            </a:r>
+          </a:p>
+          <a:p>
+            <a:r>
+              <a:rPr lang="ko-KR" altLang="en-US" dirty="0">
+                <a:solidFill>
+                  <a:schemeClr val="tx1"/>
+                </a:solidFill>
+              </a:rPr>
+              <a:t>이수학점</a:t>
+            </a:r>
+            <a:r>
+              <a:rPr lang="en-US" altLang="ko-KR" dirty="0">
+                <a:solidFill>
+                  <a:schemeClr val="tx1"/>
+                </a:solidFill>
+              </a:rPr>
+              <a:t>(</a:t>
+            </a:r>
+            <a:r>
+              <a:rPr lang="en-US" altLang="ko-KR" dirty="0" err="1">
+                <a:solidFill>
+                  <a:schemeClr val="tx1"/>
+                </a:solidFill>
+              </a:rPr>
+              <a:t>st_point</a:t>
+            </a:r>
+            <a:r>
+              <a:rPr lang="en-US" altLang="ko-KR" dirty="0">
+                <a:solidFill>
+                  <a:schemeClr val="tx1"/>
+                </a:solidFill>
+              </a:rPr>
+              <a:t>)</a:t>
+            </a:r>
+            <a:r>
+              <a:rPr lang="ko-KR" altLang="en-US" dirty="0">
+                <a:solidFill>
+                  <a:schemeClr val="tx1"/>
+                </a:solidFill>
+              </a:rPr>
+              <a:t> </a:t>
+            </a:r>
+            <a:r>
+              <a:rPr lang="en-US" altLang="ko-KR" dirty="0">
+                <a:solidFill>
+                  <a:schemeClr val="tx1"/>
+                </a:solidFill>
+              </a:rPr>
+              <a:t>int</a:t>
+            </a:r>
+            <a:r>
+              <a:rPr lang="ko-KR" altLang="en-US" dirty="0">
+                <a:solidFill>
+                  <a:schemeClr val="tx1"/>
+                </a:solidFill>
+              </a:rPr>
+              <a:t> </a:t>
+            </a:r>
+            <a:r>
+              <a:rPr lang="en-US" altLang="ko-KR" dirty="0" err="1">
+                <a:solidFill>
+                  <a:schemeClr val="tx1"/>
+                </a:solidFill>
+              </a:rPr>
+              <a:t>nn</a:t>
+            </a:r>
+            <a:r>
+              <a:rPr lang="ko-KR" altLang="en-US" dirty="0">
+                <a:solidFill>
+                  <a:schemeClr val="tx1"/>
+                </a:solidFill>
+              </a:rPr>
+              <a:t> </a:t>
+            </a:r>
+            <a:r>
+              <a:rPr lang="en-US" altLang="ko-KR" dirty="0">
+                <a:solidFill>
+                  <a:schemeClr val="tx1"/>
+                </a:solidFill>
+              </a:rPr>
+              <a:t>default</a:t>
+            </a:r>
+            <a:r>
+              <a:rPr lang="ko-KR" altLang="en-US" dirty="0">
+                <a:solidFill>
+                  <a:schemeClr val="tx1"/>
+                </a:solidFill>
+              </a:rPr>
+              <a:t> </a:t>
+            </a:r>
+            <a:r>
+              <a:rPr lang="en-US" altLang="ko-KR" dirty="0">
+                <a:solidFill>
+                  <a:schemeClr val="tx1"/>
+                </a:solidFill>
+              </a:rPr>
+              <a:t>0</a:t>
+            </a:r>
+            <a:endParaRPr lang="ko-KR" altLang="en-US" dirty="0">
+              <a:solidFill>
+                <a:schemeClr val="tx1"/>
+              </a:solidFill>
+            </a:endParaRPr>
+          </a:p>
+        </p:txBody>
+      </p:sp>
+      <p:sp>
+        <p:nvSpPr>
+          <p:cNvPr id="3" name="직사각형 2">
+            <a:extLst>
+              <a:ext uri="{FF2B5EF4-FFF2-40B4-BE49-F238E27FC236}">
+                <a16:creationId xmlns:a16="http://schemas.microsoft.com/office/drawing/2014/main" id="{8522ED1C-2323-E775-6B8A-A8CC2CDD4921}"/>
+              </a:ext>
+            </a:extLst>
+          </p:cNvPr>
+          <p:cNvSpPr/>
+          <p:nvPr/>
+        </p:nvSpPr>
+        <p:spPr>
+          <a:xfrm>
+            <a:off x="7086600" y="0"/>
+            <a:ext cx="5090160" cy="2148840"/>
+          </a:xfrm>
+          <a:prstGeom prst="rect">
+            <a:avLst/>
+          </a:prstGeom>
+          <a:noFill/>
+        </p:spPr>
+        <p:style>
+          <a:lnRef idx="2">
+            <a:schemeClr val="accent1">
+              <a:shade val="15000"/>
+            </a:schemeClr>
+          </a:lnRef>
+          <a:fillRef idx="1">
+            <a:schemeClr val="accent1"/>
+          </a:fillRef>
+          <a:effectRef idx="0">
+            <a:schemeClr val="accent1"/>
+          </a:effectRef>
+          <a:fontRef idx="minor">
+            <a:schemeClr val="lt1"/>
+          </a:fontRef>
+        </p:style>
+        <p:txBody>
+          <a:bodyPr rtlCol="0" anchor="t"/>
+          <a:lstStyle/>
+          <a:p>
+            <a:r>
+              <a:rPr lang="ko-KR" altLang="en-US" dirty="0">
+                <a:solidFill>
+                  <a:schemeClr val="tx1"/>
+                </a:solidFill>
+              </a:rPr>
+              <a:t>강의 테이블</a:t>
+            </a:r>
+            <a:r>
+              <a:rPr lang="en-US" altLang="ko-KR" dirty="0">
+                <a:solidFill>
+                  <a:schemeClr val="tx1"/>
+                </a:solidFill>
+              </a:rPr>
+              <a:t>(course)</a:t>
+            </a:r>
+          </a:p>
+          <a:p>
+            <a:r>
+              <a:rPr lang="ko-KR" altLang="en-US" dirty="0">
+                <a:solidFill>
+                  <a:schemeClr val="tx1"/>
+                </a:solidFill>
+              </a:rPr>
+              <a:t>강의번호</a:t>
+            </a:r>
+            <a:r>
+              <a:rPr lang="en-US" altLang="ko-KR" dirty="0">
+                <a:solidFill>
+                  <a:schemeClr val="tx1"/>
+                </a:solidFill>
+              </a:rPr>
+              <a:t>(</a:t>
+            </a:r>
+            <a:r>
+              <a:rPr lang="en-US" altLang="ko-KR" dirty="0" err="1">
+                <a:solidFill>
+                  <a:schemeClr val="tx1"/>
+                </a:solidFill>
+              </a:rPr>
+              <a:t>co_num</a:t>
+            </a:r>
+            <a:r>
+              <a:rPr lang="en-US" altLang="ko-KR" dirty="0">
+                <a:solidFill>
+                  <a:schemeClr val="tx1"/>
+                </a:solidFill>
+              </a:rPr>
+              <a:t>) int </a:t>
+            </a:r>
+            <a:r>
+              <a:rPr lang="en-US" altLang="ko-KR" dirty="0" err="1">
+                <a:solidFill>
+                  <a:schemeClr val="tx1"/>
+                </a:solidFill>
+              </a:rPr>
+              <a:t>nn</a:t>
+            </a:r>
+            <a:r>
+              <a:rPr lang="en-US" altLang="ko-KR" dirty="0">
+                <a:solidFill>
+                  <a:schemeClr val="tx1"/>
+                </a:solidFill>
+              </a:rPr>
+              <a:t> pk</a:t>
+            </a:r>
+          </a:p>
+          <a:p>
+            <a:r>
+              <a:rPr lang="ko-KR" altLang="en-US" dirty="0">
+                <a:solidFill>
+                  <a:schemeClr val="tx1"/>
+                </a:solidFill>
+              </a:rPr>
+              <a:t>교수번호</a:t>
+            </a:r>
+            <a:r>
+              <a:rPr lang="en-US" altLang="ko-KR" dirty="0">
+                <a:solidFill>
+                  <a:schemeClr val="tx1"/>
+                </a:solidFill>
+              </a:rPr>
+              <a:t>(</a:t>
+            </a:r>
+            <a:r>
+              <a:rPr lang="en-US" altLang="ko-KR" dirty="0" err="1">
+                <a:solidFill>
+                  <a:schemeClr val="tx1"/>
+                </a:solidFill>
+              </a:rPr>
+              <a:t>co_pr_num</a:t>
+            </a:r>
+            <a:r>
+              <a:rPr lang="en-US" altLang="ko-KR" dirty="0">
+                <a:solidFill>
+                  <a:schemeClr val="tx1"/>
+                </a:solidFill>
+              </a:rPr>
+              <a:t>) int </a:t>
+            </a:r>
+            <a:r>
+              <a:rPr lang="en-US" altLang="ko-KR" dirty="0" err="1">
+                <a:solidFill>
+                  <a:schemeClr val="tx1"/>
+                </a:solidFill>
+              </a:rPr>
+              <a:t>nn</a:t>
+            </a:r>
+            <a:endParaRPr lang="en-US" altLang="ko-KR" dirty="0">
+              <a:solidFill>
+                <a:schemeClr val="tx1"/>
+              </a:solidFill>
+            </a:endParaRPr>
+          </a:p>
+          <a:p>
+            <a:r>
+              <a:rPr lang="ko-KR" altLang="en-US" dirty="0">
+                <a:solidFill>
+                  <a:schemeClr val="tx1"/>
+                </a:solidFill>
+              </a:rPr>
+              <a:t>과목번호</a:t>
+            </a:r>
+            <a:r>
+              <a:rPr lang="en-US" altLang="ko-KR" dirty="0">
+                <a:solidFill>
+                  <a:schemeClr val="tx1"/>
+                </a:solidFill>
+              </a:rPr>
+              <a:t>(</a:t>
+            </a:r>
+            <a:r>
+              <a:rPr lang="en-US" altLang="ko-KR" dirty="0" err="1">
+                <a:solidFill>
+                  <a:schemeClr val="tx1"/>
+                </a:solidFill>
+              </a:rPr>
+              <a:t>co_su_num</a:t>
+            </a:r>
+            <a:r>
+              <a:rPr lang="en-US" altLang="ko-KR" dirty="0">
+                <a:solidFill>
+                  <a:schemeClr val="tx1"/>
+                </a:solidFill>
+              </a:rPr>
+              <a:t>) int </a:t>
+            </a:r>
+            <a:r>
+              <a:rPr lang="en-US" altLang="ko-KR" dirty="0" err="1">
+                <a:solidFill>
+                  <a:schemeClr val="tx1"/>
+                </a:solidFill>
+              </a:rPr>
+              <a:t>nn</a:t>
+            </a:r>
+            <a:endParaRPr lang="en-US" altLang="ko-KR" dirty="0">
+              <a:solidFill>
+                <a:schemeClr val="tx1"/>
+              </a:solidFill>
+            </a:endParaRPr>
+          </a:p>
+          <a:p>
+            <a:r>
+              <a:rPr lang="ko-KR" altLang="en-US" dirty="0">
+                <a:solidFill>
+                  <a:schemeClr val="tx1"/>
+                </a:solidFill>
+              </a:rPr>
+              <a:t>강의학기</a:t>
+            </a:r>
+            <a:r>
+              <a:rPr lang="en-US" altLang="ko-KR" dirty="0">
+                <a:solidFill>
+                  <a:schemeClr val="tx1"/>
+                </a:solidFill>
+              </a:rPr>
+              <a:t>(</a:t>
+            </a:r>
+            <a:r>
+              <a:rPr lang="en-US" altLang="ko-KR" dirty="0" err="1">
+                <a:solidFill>
+                  <a:schemeClr val="tx1"/>
+                </a:solidFill>
+              </a:rPr>
+              <a:t>co_term</a:t>
+            </a:r>
+            <a:r>
+              <a:rPr lang="en-US" altLang="ko-KR" dirty="0">
+                <a:solidFill>
+                  <a:schemeClr val="tx1"/>
+                </a:solidFill>
+              </a:rPr>
+              <a:t>) int </a:t>
+            </a:r>
+            <a:r>
+              <a:rPr lang="en-US" altLang="ko-KR" dirty="0" err="1">
+                <a:solidFill>
+                  <a:schemeClr val="tx1"/>
+                </a:solidFill>
+              </a:rPr>
+              <a:t>nn</a:t>
+            </a:r>
+            <a:r>
+              <a:rPr lang="en-US" altLang="ko-KR" dirty="0">
+                <a:solidFill>
+                  <a:schemeClr val="tx1"/>
+                </a:solidFill>
+              </a:rPr>
+              <a:t> default 1</a:t>
+            </a:r>
+          </a:p>
+          <a:p>
+            <a:r>
+              <a:rPr lang="ko-KR" altLang="en-US" dirty="0" err="1">
+                <a:solidFill>
+                  <a:schemeClr val="tx1"/>
+                </a:solidFill>
+              </a:rPr>
+              <a:t>강의년도</a:t>
+            </a:r>
+            <a:r>
+              <a:rPr lang="en-US" altLang="ko-KR" dirty="0">
+                <a:solidFill>
+                  <a:schemeClr val="tx1"/>
+                </a:solidFill>
+              </a:rPr>
+              <a:t>(</a:t>
+            </a:r>
+            <a:r>
+              <a:rPr lang="en-US" altLang="ko-KR" dirty="0" err="1">
+                <a:solidFill>
+                  <a:schemeClr val="tx1"/>
+                </a:solidFill>
+              </a:rPr>
+              <a:t>co_year</a:t>
+            </a:r>
+            <a:r>
+              <a:rPr lang="en-US" altLang="ko-KR" dirty="0">
+                <a:solidFill>
+                  <a:schemeClr val="tx1"/>
+                </a:solidFill>
+              </a:rPr>
+              <a:t>) int not null</a:t>
+            </a:r>
+          </a:p>
+          <a:p>
+            <a:r>
+              <a:rPr lang="ko-KR" altLang="en-US" dirty="0">
+                <a:solidFill>
+                  <a:schemeClr val="tx1"/>
+                </a:solidFill>
+              </a:rPr>
+              <a:t>강의시간표</a:t>
+            </a:r>
+            <a:r>
+              <a:rPr lang="en-US" altLang="ko-KR" dirty="0">
+                <a:solidFill>
+                  <a:schemeClr val="tx1"/>
+                </a:solidFill>
+              </a:rPr>
+              <a:t>(</a:t>
+            </a:r>
+            <a:r>
+              <a:rPr lang="en-US" altLang="ko-KR" dirty="0" err="1">
+                <a:solidFill>
+                  <a:schemeClr val="tx1"/>
+                </a:solidFill>
+              </a:rPr>
+              <a:t>co_timetable</a:t>
+            </a:r>
+            <a:r>
+              <a:rPr lang="en-US" altLang="ko-KR" dirty="0">
+                <a:solidFill>
+                  <a:schemeClr val="tx1"/>
+                </a:solidFill>
+              </a:rPr>
+              <a:t>) varchar(100)</a:t>
+            </a:r>
+            <a:endParaRPr lang="ko-KR" altLang="en-US" dirty="0">
+              <a:solidFill>
+                <a:schemeClr val="tx1"/>
+              </a:solidFill>
+            </a:endParaRPr>
+          </a:p>
+        </p:txBody>
+      </p:sp>
+      <p:sp>
+        <p:nvSpPr>
+          <p:cNvPr id="4" name="직사각형 3">
+            <a:extLst>
+              <a:ext uri="{FF2B5EF4-FFF2-40B4-BE49-F238E27FC236}">
+                <a16:creationId xmlns:a16="http://schemas.microsoft.com/office/drawing/2014/main" id="{80A59A08-73D2-9B31-166A-3BC38DD241A1}"/>
+              </a:ext>
+            </a:extLst>
+          </p:cNvPr>
+          <p:cNvSpPr/>
+          <p:nvPr/>
+        </p:nvSpPr>
+        <p:spPr>
+          <a:xfrm>
+            <a:off x="0" y="1844040"/>
+            <a:ext cx="3977640" cy="1851660"/>
+          </a:xfrm>
+          <a:prstGeom prst="rect">
+            <a:avLst/>
+          </a:prstGeom>
+          <a:noFill/>
+        </p:spPr>
+        <p:style>
+          <a:lnRef idx="2">
+            <a:schemeClr val="accent1">
+              <a:shade val="15000"/>
+            </a:schemeClr>
+          </a:lnRef>
+          <a:fillRef idx="1">
+            <a:schemeClr val="accent1"/>
+          </a:fillRef>
+          <a:effectRef idx="0">
+            <a:schemeClr val="accent1"/>
+          </a:effectRef>
+          <a:fontRef idx="minor">
+            <a:schemeClr val="lt1"/>
+          </a:fontRef>
+        </p:style>
+        <p:txBody>
+          <a:bodyPr rtlCol="0" anchor="t"/>
+          <a:lstStyle/>
+          <a:p>
+            <a:r>
+              <a:rPr lang="ko-KR" altLang="en-US" dirty="0">
+                <a:solidFill>
+                  <a:schemeClr val="tx1"/>
+                </a:solidFill>
+              </a:rPr>
+              <a:t>과목테이블</a:t>
+            </a:r>
+            <a:r>
+              <a:rPr lang="en-US" altLang="ko-KR" dirty="0">
+                <a:solidFill>
+                  <a:schemeClr val="tx1"/>
+                </a:solidFill>
+              </a:rPr>
+              <a:t>(subject)</a:t>
+            </a:r>
+          </a:p>
+          <a:p>
+            <a:r>
+              <a:rPr lang="ko-KR" altLang="en-US" dirty="0">
+                <a:solidFill>
+                  <a:schemeClr val="tx1"/>
+                </a:solidFill>
+              </a:rPr>
+              <a:t>과목번호</a:t>
+            </a:r>
+            <a:r>
+              <a:rPr lang="en-US" altLang="ko-KR" dirty="0">
+                <a:solidFill>
+                  <a:schemeClr val="tx1"/>
+                </a:solidFill>
+              </a:rPr>
+              <a:t>(</a:t>
+            </a:r>
+            <a:r>
+              <a:rPr lang="en-US" altLang="ko-KR" dirty="0" err="1">
+                <a:solidFill>
+                  <a:schemeClr val="tx1"/>
+                </a:solidFill>
+              </a:rPr>
+              <a:t>su_num</a:t>
+            </a:r>
+            <a:r>
+              <a:rPr lang="en-US" altLang="ko-KR" dirty="0">
+                <a:solidFill>
+                  <a:schemeClr val="tx1"/>
+                </a:solidFill>
+              </a:rPr>
+              <a:t>) int pk</a:t>
+            </a:r>
+          </a:p>
+          <a:p>
+            <a:r>
+              <a:rPr lang="ko-KR" altLang="en-US" dirty="0">
+                <a:solidFill>
+                  <a:schemeClr val="tx1"/>
+                </a:solidFill>
+              </a:rPr>
+              <a:t>과목코드</a:t>
+            </a:r>
+            <a:r>
+              <a:rPr lang="en-US" altLang="ko-KR" dirty="0">
+                <a:solidFill>
+                  <a:schemeClr val="tx1"/>
+                </a:solidFill>
+              </a:rPr>
+              <a:t>(</a:t>
+            </a:r>
+            <a:r>
+              <a:rPr lang="en-US" altLang="ko-KR" dirty="0" err="1">
+                <a:solidFill>
+                  <a:schemeClr val="tx1"/>
+                </a:solidFill>
+              </a:rPr>
+              <a:t>su_code</a:t>
+            </a:r>
+            <a:r>
+              <a:rPr lang="en-US" altLang="ko-KR" dirty="0">
+                <a:solidFill>
+                  <a:schemeClr val="tx1"/>
+                </a:solidFill>
+              </a:rPr>
+              <a:t>) varchar(20) </a:t>
+            </a:r>
+            <a:r>
+              <a:rPr lang="en-US" altLang="ko-KR" dirty="0" err="1">
+                <a:solidFill>
+                  <a:schemeClr val="tx1"/>
+                </a:solidFill>
+              </a:rPr>
+              <a:t>nn</a:t>
+            </a:r>
+            <a:endParaRPr lang="en-US" altLang="ko-KR" dirty="0">
+              <a:solidFill>
+                <a:schemeClr val="tx1"/>
+              </a:solidFill>
+            </a:endParaRPr>
+          </a:p>
+          <a:p>
+            <a:r>
+              <a:rPr lang="ko-KR" altLang="en-US" dirty="0">
+                <a:solidFill>
+                  <a:schemeClr val="tx1"/>
+                </a:solidFill>
+              </a:rPr>
+              <a:t>과목명</a:t>
+            </a:r>
+            <a:r>
+              <a:rPr lang="en-US" altLang="ko-KR" dirty="0">
+                <a:solidFill>
+                  <a:schemeClr val="tx1"/>
+                </a:solidFill>
+              </a:rPr>
+              <a:t>(</a:t>
+            </a:r>
+            <a:r>
+              <a:rPr lang="en-US" altLang="ko-KR" dirty="0" err="1">
+                <a:solidFill>
+                  <a:schemeClr val="tx1"/>
+                </a:solidFill>
+              </a:rPr>
+              <a:t>su_title</a:t>
+            </a:r>
+            <a:r>
+              <a:rPr lang="en-US" altLang="ko-KR" dirty="0">
+                <a:solidFill>
+                  <a:schemeClr val="tx1"/>
+                </a:solidFill>
+              </a:rPr>
+              <a:t>) varchar(45) </a:t>
+            </a:r>
+            <a:r>
+              <a:rPr lang="en-US" altLang="ko-KR" dirty="0" err="1">
+                <a:solidFill>
+                  <a:schemeClr val="tx1"/>
+                </a:solidFill>
+              </a:rPr>
+              <a:t>nn</a:t>
+            </a:r>
+            <a:endParaRPr lang="en-US" altLang="ko-KR" dirty="0">
+              <a:solidFill>
+                <a:schemeClr val="tx1"/>
+              </a:solidFill>
+            </a:endParaRPr>
+          </a:p>
+          <a:p>
+            <a:r>
+              <a:rPr lang="ko-KR" altLang="en-US" dirty="0">
+                <a:solidFill>
+                  <a:schemeClr val="tx1"/>
+                </a:solidFill>
+              </a:rPr>
+              <a:t>과목점수</a:t>
+            </a:r>
+            <a:r>
+              <a:rPr lang="en-US" altLang="ko-KR" dirty="0">
+                <a:solidFill>
+                  <a:schemeClr val="tx1"/>
+                </a:solidFill>
+              </a:rPr>
+              <a:t>(</a:t>
+            </a:r>
+            <a:r>
+              <a:rPr lang="en-US" altLang="ko-KR" dirty="0" err="1">
+                <a:solidFill>
+                  <a:schemeClr val="tx1"/>
+                </a:solidFill>
+              </a:rPr>
+              <a:t>su_point</a:t>
+            </a:r>
+            <a:r>
+              <a:rPr lang="en-US" altLang="ko-KR" dirty="0">
+                <a:solidFill>
+                  <a:schemeClr val="tx1"/>
+                </a:solidFill>
+              </a:rPr>
+              <a:t>) int </a:t>
+            </a:r>
+            <a:r>
+              <a:rPr lang="en-US" altLang="ko-KR" dirty="0" err="1">
+                <a:solidFill>
+                  <a:schemeClr val="tx1"/>
+                </a:solidFill>
+              </a:rPr>
+              <a:t>nn</a:t>
+            </a:r>
+            <a:r>
+              <a:rPr lang="en-US" altLang="ko-KR" dirty="0">
+                <a:solidFill>
+                  <a:schemeClr val="tx1"/>
+                </a:solidFill>
+              </a:rPr>
+              <a:t> default 0</a:t>
+            </a:r>
+          </a:p>
+          <a:p>
+            <a:r>
+              <a:rPr lang="ko-KR" altLang="en-US" dirty="0">
+                <a:solidFill>
+                  <a:schemeClr val="tx1"/>
+                </a:solidFill>
+              </a:rPr>
+              <a:t>과목시간</a:t>
+            </a:r>
+            <a:r>
+              <a:rPr lang="en-US" altLang="ko-KR" dirty="0">
+                <a:solidFill>
+                  <a:schemeClr val="tx1"/>
+                </a:solidFill>
+              </a:rPr>
+              <a:t>(</a:t>
+            </a:r>
+            <a:r>
+              <a:rPr lang="en-US" altLang="ko-KR" dirty="0" err="1">
+                <a:solidFill>
+                  <a:schemeClr val="tx1"/>
+                </a:solidFill>
+              </a:rPr>
+              <a:t>su_time</a:t>
+            </a:r>
+            <a:r>
+              <a:rPr lang="en-US" altLang="ko-KR" dirty="0">
+                <a:solidFill>
+                  <a:schemeClr val="tx1"/>
+                </a:solidFill>
+              </a:rPr>
+              <a:t>) int </a:t>
+            </a:r>
+            <a:r>
+              <a:rPr lang="en-US" altLang="ko-KR" dirty="0" err="1">
+                <a:solidFill>
+                  <a:schemeClr val="tx1"/>
+                </a:solidFill>
+              </a:rPr>
+              <a:t>nn</a:t>
+            </a:r>
+            <a:r>
+              <a:rPr lang="en-US" altLang="ko-KR" dirty="0">
+                <a:solidFill>
+                  <a:schemeClr val="tx1"/>
+                </a:solidFill>
+              </a:rPr>
+              <a:t> default 0</a:t>
+            </a:r>
+            <a:endParaRPr lang="ko-KR" altLang="en-US" dirty="0">
+              <a:solidFill>
+                <a:schemeClr val="tx1"/>
+              </a:solidFill>
+            </a:endParaRPr>
+          </a:p>
+        </p:txBody>
+      </p:sp>
+      <p:sp>
+        <p:nvSpPr>
+          <p:cNvPr id="5" name="직사각형 4">
+            <a:extLst>
+              <a:ext uri="{FF2B5EF4-FFF2-40B4-BE49-F238E27FC236}">
+                <a16:creationId xmlns:a16="http://schemas.microsoft.com/office/drawing/2014/main" id="{CB69F9BE-F847-B6AB-28F1-7C02C6BCF9DC}"/>
+              </a:ext>
+            </a:extLst>
+          </p:cNvPr>
+          <p:cNvSpPr/>
+          <p:nvPr/>
+        </p:nvSpPr>
+        <p:spPr>
+          <a:xfrm>
+            <a:off x="0" y="3916682"/>
+            <a:ext cx="5090160" cy="2926079"/>
+          </a:xfrm>
+          <a:prstGeom prst="rect">
+            <a:avLst/>
+          </a:prstGeom>
+          <a:noFill/>
+        </p:spPr>
+        <p:style>
+          <a:lnRef idx="2">
+            <a:schemeClr val="accent1">
+              <a:shade val="15000"/>
+            </a:schemeClr>
+          </a:lnRef>
+          <a:fillRef idx="1">
+            <a:schemeClr val="accent1"/>
+          </a:fillRef>
+          <a:effectRef idx="0">
+            <a:schemeClr val="accent1"/>
+          </a:effectRef>
+          <a:fontRef idx="minor">
+            <a:schemeClr val="lt1"/>
+          </a:fontRef>
+        </p:style>
+        <p:txBody>
+          <a:bodyPr rtlCol="0" anchor="t"/>
+          <a:lstStyle/>
+          <a:p>
+            <a:r>
+              <a:rPr lang="ko-KR" altLang="en-US" dirty="0">
+                <a:solidFill>
+                  <a:schemeClr val="tx1"/>
+                </a:solidFill>
+              </a:rPr>
+              <a:t>수강테이블</a:t>
+            </a:r>
+            <a:r>
+              <a:rPr lang="en-US" altLang="ko-KR" dirty="0">
+                <a:solidFill>
+                  <a:schemeClr val="tx1"/>
+                </a:solidFill>
+              </a:rPr>
+              <a:t>(attend)</a:t>
+            </a:r>
+          </a:p>
+          <a:p>
+            <a:r>
+              <a:rPr lang="ko-KR" altLang="en-US" dirty="0">
+                <a:solidFill>
+                  <a:schemeClr val="tx1"/>
+                </a:solidFill>
+              </a:rPr>
+              <a:t>수강번호</a:t>
+            </a:r>
+            <a:r>
+              <a:rPr lang="en-US" altLang="ko-KR" dirty="0">
+                <a:solidFill>
+                  <a:schemeClr val="tx1"/>
+                </a:solidFill>
+              </a:rPr>
+              <a:t>(</a:t>
+            </a:r>
+            <a:r>
+              <a:rPr lang="en-US" altLang="ko-KR" dirty="0" err="1">
+                <a:solidFill>
+                  <a:schemeClr val="tx1"/>
+                </a:solidFill>
+              </a:rPr>
+              <a:t>at_num</a:t>
+            </a:r>
+            <a:r>
+              <a:rPr lang="en-US" altLang="ko-KR" dirty="0">
+                <a:solidFill>
+                  <a:schemeClr val="tx1"/>
+                </a:solidFill>
+              </a:rPr>
+              <a:t>) int </a:t>
+            </a:r>
+            <a:r>
+              <a:rPr lang="en-US" altLang="ko-KR" dirty="0" err="1">
+                <a:solidFill>
+                  <a:schemeClr val="tx1"/>
+                </a:solidFill>
+              </a:rPr>
+              <a:t>nn</a:t>
+            </a:r>
+            <a:r>
+              <a:rPr lang="en-US" altLang="ko-KR" dirty="0">
+                <a:solidFill>
+                  <a:schemeClr val="tx1"/>
+                </a:solidFill>
+              </a:rPr>
+              <a:t> pk  ai</a:t>
+            </a:r>
+          </a:p>
+          <a:p>
+            <a:r>
+              <a:rPr lang="ko-KR" altLang="en-US" dirty="0">
+                <a:solidFill>
+                  <a:schemeClr val="tx1"/>
+                </a:solidFill>
+              </a:rPr>
+              <a:t>학번</a:t>
+            </a:r>
+            <a:r>
+              <a:rPr lang="en-US" altLang="ko-KR" dirty="0">
+                <a:solidFill>
+                  <a:schemeClr val="tx1"/>
+                </a:solidFill>
+              </a:rPr>
+              <a:t>(</a:t>
+            </a:r>
+            <a:r>
+              <a:rPr lang="en-US" altLang="ko-KR" dirty="0" err="1">
+                <a:solidFill>
+                  <a:schemeClr val="tx1"/>
+                </a:solidFill>
+              </a:rPr>
+              <a:t>at_st_num</a:t>
+            </a:r>
+            <a:r>
+              <a:rPr lang="en-US" altLang="ko-KR" dirty="0">
+                <a:solidFill>
+                  <a:schemeClr val="tx1"/>
+                </a:solidFill>
+              </a:rPr>
+              <a:t>) int </a:t>
+            </a:r>
+            <a:r>
+              <a:rPr lang="en-US" altLang="ko-KR" dirty="0" err="1">
+                <a:solidFill>
+                  <a:schemeClr val="tx1"/>
+                </a:solidFill>
+              </a:rPr>
+              <a:t>nn</a:t>
+            </a:r>
+            <a:endParaRPr lang="en-US" altLang="ko-KR" dirty="0">
+              <a:solidFill>
+                <a:schemeClr val="tx1"/>
+              </a:solidFill>
+            </a:endParaRPr>
+          </a:p>
+          <a:p>
+            <a:r>
+              <a:rPr lang="ko-KR" altLang="en-US" dirty="0">
+                <a:solidFill>
+                  <a:schemeClr val="tx1"/>
+                </a:solidFill>
+              </a:rPr>
+              <a:t>강의번호</a:t>
+            </a:r>
+            <a:r>
+              <a:rPr lang="en-US" altLang="ko-KR" dirty="0">
+                <a:solidFill>
+                  <a:schemeClr val="tx1"/>
+                </a:solidFill>
+              </a:rPr>
+              <a:t>(</a:t>
+            </a:r>
+            <a:r>
+              <a:rPr lang="en-US" altLang="ko-KR" dirty="0" err="1">
+                <a:solidFill>
+                  <a:schemeClr val="tx1"/>
+                </a:solidFill>
+              </a:rPr>
+              <a:t>at_co_num</a:t>
+            </a:r>
+            <a:r>
+              <a:rPr lang="en-US" altLang="ko-KR" dirty="0">
+                <a:solidFill>
+                  <a:schemeClr val="tx1"/>
+                </a:solidFill>
+              </a:rPr>
+              <a:t>) int </a:t>
+            </a:r>
+            <a:r>
+              <a:rPr lang="en-US" altLang="ko-KR" dirty="0" err="1">
+                <a:solidFill>
+                  <a:schemeClr val="tx1"/>
+                </a:solidFill>
+              </a:rPr>
+              <a:t>nn</a:t>
+            </a:r>
+            <a:endParaRPr lang="en-US" altLang="ko-KR" dirty="0">
+              <a:solidFill>
+                <a:schemeClr val="tx1"/>
+              </a:solidFill>
+            </a:endParaRPr>
+          </a:p>
+          <a:p>
+            <a:r>
+              <a:rPr lang="ko-KR" altLang="en-US" dirty="0">
+                <a:solidFill>
+                  <a:schemeClr val="tx1"/>
+                </a:solidFill>
+              </a:rPr>
+              <a:t>중간</a:t>
+            </a:r>
+            <a:r>
+              <a:rPr lang="en-US" altLang="ko-KR" dirty="0">
+                <a:solidFill>
+                  <a:schemeClr val="tx1"/>
+                </a:solidFill>
+              </a:rPr>
+              <a:t>(</a:t>
+            </a:r>
+            <a:r>
+              <a:rPr lang="en-US" altLang="ko-KR" dirty="0" err="1">
+                <a:solidFill>
+                  <a:schemeClr val="tx1"/>
+                </a:solidFill>
+              </a:rPr>
+              <a:t>at_mid</a:t>
+            </a:r>
+            <a:r>
+              <a:rPr lang="en-US" altLang="ko-KR" dirty="0">
+                <a:solidFill>
+                  <a:schemeClr val="tx1"/>
+                </a:solidFill>
+              </a:rPr>
+              <a:t>)/</a:t>
+            </a:r>
+            <a:r>
+              <a:rPr lang="ko-KR" altLang="en-US" dirty="0">
+                <a:solidFill>
+                  <a:schemeClr val="tx1"/>
+                </a:solidFill>
+              </a:rPr>
+              <a:t>기말</a:t>
+            </a:r>
+            <a:r>
+              <a:rPr lang="en-US" altLang="ko-KR" dirty="0">
+                <a:solidFill>
+                  <a:schemeClr val="tx1"/>
+                </a:solidFill>
+              </a:rPr>
+              <a:t>(</a:t>
+            </a:r>
+            <a:r>
+              <a:rPr lang="en-US" altLang="ko-KR" dirty="0" err="1">
+                <a:solidFill>
+                  <a:schemeClr val="tx1"/>
+                </a:solidFill>
+              </a:rPr>
+              <a:t>at_final</a:t>
+            </a:r>
+            <a:r>
+              <a:rPr lang="en-US" altLang="ko-KR" dirty="0">
+                <a:solidFill>
+                  <a:schemeClr val="tx1"/>
+                </a:solidFill>
+              </a:rPr>
+              <a:t>)</a:t>
+            </a:r>
+          </a:p>
+          <a:p>
+            <a:r>
+              <a:rPr lang="ko-KR" altLang="en-US" dirty="0">
+                <a:solidFill>
+                  <a:schemeClr val="tx1"/>
+                </a:solidFill>
+              </a:rPr>
+              <a:t>과제</a:t>
+            </a:r>
+            <a:r>
+              <a:rPr lang="en-US" altLang="ko-KR" dirty="0">
+                <a:solidFill>
+                  <a:schemeClr val="tx1"/>
+                </a:solidFill>
+              </a:rPr>
+              <a:t>(</a:t>
+            </a:r>
+            <a:r>
+              <a:rPr lang="en-US" altLang="ko-KR" dirty="0" err="1">
+                <a:solidFill>
+                  <a:schemeClr val="tx1"/>
+                </a:solidFill>
+              </a:rPr>
+              <a:t>at_hw</a:t>
+            </a:r>
+            <a:r>
+              <a:rPr lang="en-US" altLang="ko-KR" dirty="0">
+                <a:solidFill>
+                  <a:schemeClr val="tx1"/>
+                </a:solidFill>
+              </a:rPr>
+              <a:t>)/</a:t>
+            </a:r>
+            <a:r>
+              <a:rPr lang="ko-KR" altLang="en-US" dirty="0">
+                <a:solidFill>
+                  <a:schemeClr val="tx1"/>
+                </a:solidFill>
+              </a:rPr>
+              <a:t>출석</a:t>
+            </a:r>
+            <a:r>
+              <a:rPr lang="en-US" altLang="ko-KR" dirty="0">
+                <a:solidFill>
+                  <a:schemeClr val="tx1"/>
+                </a:solidFill>
+              </a:rPr>
+              <a:t>(</a:t>
+            </a:r>
+            <a:r>
+              <a:rPr lang="en-US" altLang="ko-KR" dirty="0" err="1">
+                <a:solidFill>
+                  <a:schemeClr val="tx1"/>
+                </a:solidFill>
+              </a:rPr>
+              <a:t>at_attend</a:t>
+            </a:r>
+            <a:r>
+              <a:rPr lang="en-US" altLang="ko-KR" dirty="0">
+                <a:solidFill>
+                  <a:schemeClr val="tx1"/>
+                </a:solidFill>
+              </a:rPr>
+              <a:t>)</a:t>
+            </a:r>
+          </a:p>
+          <a:p>
+            <a:r>
+              <a:rPr lang="en-US" altLang="ko-KR" dirty="0">
+                <a:solidFill>
+                  <a:schemeClr val="tx1"/>
+                </a:solidFill>
+              </a:rPr>
+              <a:t>Int </a:t>
+            </a:r>
+            <a:r>
+              <a:rPr lang="en-US" altLang="ko-KR" dirty="0" err="1">
+                <a:solidFill>
+                  <a:schemeClr val="tx1"/>
+                </a:solidFill>
+              </a:rPr>
+              <a:t>nn</a:t>
+            </a:r>
+            <a:r>
+              <a:rPr lang="en-US" altLang="ko-KR" dirty="0">
+                <a:solidFill>
+                  <a:schemeClr val="tx1"/>
+                </a:solidFill>
+              </a:rPr>
+              <a:t> default 0</a:t>
+            </a:r>
+          </a:p>
+          <a:p>
+            <a:r>
+              <a:rPr lang="ko-KR" altLang="en-US" dirty="0">
+                <a:solidFill>
+                  <a:schemeClr val="tx1"/>
+                </a:solidFill>
+              </a:rPr>
+              <a:t>학점</a:t>
+            </a:r>
+            <a:r>
+              <a:rPr lang="en-US" altLang="ko-KR" dirty="0">
+                <a:solidFill>
+                  <a:schemeClr val="tx1"/>
+                </a:solidFill>
+              </a:rPr>
+              <a:t>(</a:t>
+            </a:r>
+            <a:r>
+              <a:rPr lang="en-US" altLang="ko-KR" dirty="0" err="1">
+                <a:solidFill>
+                  <a:schemeClr val="tx1"/>
+                </a:solidFill>
+              </a:rPr>
+              <a:t>at_score</a:t>
+            </a:r>
+            <a:r>
+              <a:rPr lang="en-US" altLang="ko-KR" dirty="0">
+                <a:solidFill>
+                  <a:schemeClr val="tx1"/>
+                </a:solidFill>
+              </a:rPr>
+              <a:t>) varchar(10)</a:t>
+            </a:r>
+          </a:p>
+          <a:p>
+            <a:r>
+              <a:rPr lang="ko-KR" altLang="en-US" dirty="0">
+                <a:solidFill>
+                  <a:schemeClr val="tx1"/>
+                </a:solidFill>
+              </a:rPr>
+              <a:t>패스여부</a:t>
+            </a:r>
+            <a:r>
+              <a:rPr lang="en-US" altLang="ko-KR" dirty="0">
+                <a:solidFill>
+                  <a:schemeClr val="tx1"/>
+                </a:solidFill>
+              </a:rPr>
+              <a:t>(</a:t>
+            </a:r>
+            <a:r>
+              <a:rPr lang="en-US" altLang="ko-KR" dirty="0" err="1">
+                <a:solidFill>
+                  <a:schemeClr val="tx1"/>
+                </a:solidFill>
+              </a:rPr>
+              <a:t>at_pass</a:t>
+            </a:r>
+            <a:r>
+              <a:rPr lang="en-US" altLang="ko-KR" dirty="0">
+                <a:solidFill>
+                  <a:schemeClr val="tx1"/>
+                </a:solidFill>
+              </a:rPr>
+              <a:t>) varchar(1) default f </a:t>
+            </a:r>
+          </a:p>
+          <a:p>
+            <a:r>
+              <a:rPr lang="ko-KR" altLang="en-US" dirty="0">
+                <a:solidFill>
+                  <a:schemeClr val="tx1"/>
+                </a:solidFill>
+              </a:rPr>
+              <a:t>재수강여부</a:t>
+            </a:r>
+            <a:r>
+              <a:rPr lang="en-US" altLang="ko-KR" dirty="0">
+                <a:solidFill>
+                  <a:schemeClr val="tx1"/>
+                </a:solidFill>
+              </a:rPr>
+              <a:t>(</a:t>
+            </a:r>
+            <a:r>
+              <a:rPr lang="en-US" altLang="ko-KR" dirty="0" err="1">
+                <a:solidFill>
+                  <a:schemeClr val="tx1"/>
+                </a:solidFill>
+              </a:rPr>
+              <a:t>at_repetition</a:t>
+            </a:r>
+            <a:r>
+              <a:rPr lang="en-US" altLang="ko-KR" dirty="0">
+                <a:solidFill>
+                  <a:schemeClr val="tx1"/>
+                </a:solidFill>
+              </a:rPr>
+              <a:t>) varchar(1) default n</a:t>
+            </a:r>
+            <a:endParaRPr lang="ko-KR" altLang="en-US" dirty="0">
+              <a:solidFill>
+                <a:schemeClr val="tx1"/>
+              </a:solidFill>
+            </a:endParaRPr>
+          </a:p>
+        </p:txBody>
+      </p:sp>
+      <p:sp>
+        <p:nvSpPr>
+          <p:cNvPr id="6" name="직사각형 5">
+            <a:extLst>
+              <a:ext uri="{FF2B5EF4-FFF2-40B4-BE49-F238E27FC236}">
+                <a16:creationId xmlns:a16="http://schemas.microsoft.com/office/drawing/2014/main" id="{C63BCE08-4DDA-C965-CFEB-5AD4FCC762D9}"/>
+              </a:ext>
+            </a:extLst>
+          </p:cNvPr>
+          <p:cNvSpPr/>
+          <p:nvPr/>
+        </p:nvSpPr>
+        <p:spPr>
+          <a:xfrm>
+            <a:off x="6842762" y="2377441"/>
+            <a:ext cx="5349238" cy="2331720"/>
+          </a:xfrm>
+          <a:prstGeom prst="rect">
+            <a:avLst/>
+          </a:prstGeom>
+          <a:solidFill>
+            <a:schemeClr val="bg1"/>
+          </a:solidFill>
+        </p:spPr>
+        <p:style>
+          <a:lnRef idx="2">
+            <a:schemeClr val="accent1">
+              <a:shade val="15000"/>
+            </a:schemeClr>
+          </a:lnRef>
+          <a:fillRef idx="1">
+            <a:schemeClr val="accent1"/>
+          </a:fillRef>
+          <a:effectRef idx="0">
+            <a:schemeClr val="accent1"/>
+          </a:effectRef>
+          <a:fontRef idx="minor">
+            <a:schemeClr val="lt1"/>
+          </a:fontRef>
+        </p:style>
+        <p:txBody>
+          <a:bodyPr rtlCol="0" anchor="t"/>
+          <a:lstStyle/>
+          <a:p>
+            <a:r>
+              <a:rPr lang="ko-KR" altLang="en-US" dirty="0">
+                <a:solidFill>
+                  <a:schemeClr val="tx1"/>
+                </a:solidFill>
+              </a:rPr>
+              <a:t>교수테이블</a:t>
+            </a:r>
+            <a:r>
+              <a:rPr lang="en-US" altLang="ko-KR" dirty="0">
+                <a:solidFill>
+                  <a:schemeClr val="tx1"/>
+                </a:solidFill>
+              </a:rPr>
+              <a:t>(professor)</a:t>
+            </a:r>
+          </a:p>
+          <a:p>
+            <a:r>
+              <a:rPr lang="ko-KR" altLang="en-US" dirty="0">
+                <a:solidFill>
+                  <a:schemeClr val="tx1"/>
+                </a:solidFill>
+              </a:rPr>
+              <a:t>교수번호</a:t>
+            </a:r>
+            <a:r>
+              <a:rPr lang="en-US" altLang="ko-KR" dirty="0">
+                <a:solidFill>
+                  <a:schemeClr val="tx1"/>
+                </a:solidFill>
+              </a:rPr>
+              <a:t>(</a:t>
+            </a:r>
+            <a:r>
+              <a:rPr lang="en-US" altLang="ko-KR" dirty="0" err="1">
+                <a:solidFill>
+                  <a:schemeClr val="tx1"/>
+                </a:solidFill>
+              </a:rPr>
+              <a:t>pr_num</a:t>
+            </a:r>
+            <a:r>
+              <a:rPr lang="en-US" altLang="ko-KR" dirty="0">
+                <a:solidFill>
+                  <a:schemeClr val="tx1"/>
+                </a:solidFill>
+              </a:rPr>
+              <a:t>) int </a:t>
+            </a:r>
+            <a:r>
+              <a:rPr lang="en-US" altLang="ko-KR" dirty="0" err="1">
+                <a:solidFill>
+                  <a:schemeClr val="tx1"/>
+                </a:solidFill>
+              </a:rPr>
+              <a:t>nn</a:t>
+            </a:r>
+            <a:r>
+              <a:rPr lang="en-US" altLang="ko-KR" dirty="0">
+                <a:solidFill>
+                  <a:schemeClr val="tx1"/>
+                </a:solidFill>
+              </a:rPr>
+              <a:t> pk</a:t>
+            </a:r>
+          </a:p>
+          <a:p>
+            <a:r>
+              <a:rPr lang="ko-KR" altLang="en-US" dirty="0">
+                <a:solidFill>
+                  <a:schemeClr val="tx1"/>
+                </a:solidFill>
+              </a:rPr>
+              <a:t>교수이름</a:t>
+            </a:r>
+            <a:r>
+              <a:rPr lang="en-US" altLang="ko-KR" dirty="0">
+                <a:solidFill>
+                  <a:schemeClr val="tx1"/>
+                </a:solidFill>
+              </a:rPr>
+              <a:t>(</a:t>
+            </a:r>
+            <a:r>
+              <a:rPr lang="en-US" altLang="ko-KR" dirty="0" err="1">
+                <a:solidFill>
+                  <a:schemeClr val="tx1"/>
+                </a:solidFill>
+              </a:rPr>
+              <a:t>pr_name</a:t>
+            </a:r>
+            <a:r>
+              <a:rPr lang="en-US" altLang="ko-KR" dirty="0">
+                <a:solidFill>
+                  <a:schemeClr val="tx1"/>
+                </a:solidFill>
+              </a:rPr>
+              <a:t>) varchar(20) </a:t>
+            </a:r>
+            <a:r>
+              <a:rPr lang="en-US" altLang="ko-KR" dirty="0" err="1">
+                <a:solidFill>
+                  <a:schemeClr val="tx1"/>
+                </a:solidFill>
+              </a:rPr>
+              <a:t>nn</a:t>
+            </a:r>
+            <a:endParaRPr lang="en-US" altLang="ko-KR" dirty="0">
+              <a:solidFill>
+                <a:schemeClr val="tx1"/>
+              </a:solidFill>
+            </a:endParaRPr>
+          </a:p>
+          <a:p>
+            <a:r>
+              <a:rPr lang="ko-KR" altLang="en-US" dirty="0">
+                <a:solidFill>
+                  <a:schemeClr val="tx1"/>
+                </a:solidFill>
+              </a:rPr>
+              <a:t>교수나이</a:t>
+            </a:r>
+            <a:r>
+              <a:rPr lang="en-US" altLang="ko-KR" dirty="0">
+                <a:solidFill>
+                  <a:schemeClr val="tx1"/>
+                </a:solidFill>
+              </a:rPr>
+              <a:t>(</a:t>
+            </a:r>
+            <a:r>
+              <a:rPr lang="en-US" altLang="ko-KR" dirty="0" err="1">
+                <a:solidFill>
+                  <a:schemeClr val="tx1"/>
+                </a:solidFill>
+              </a:rPr>
+              <a:t>pr_age</a:t>
+            </a:r>
+            <a:r>
+              <a:rPr lang="en-US" altLang="ko-KR" dirty="0">
+                <a:solidFill>
+                  <a:schemeClr val="tx1"/>
+                </a:solidFill>
+              </a:rPr>
+              <a:t>) int </a:t>
+            </a:r>
+            <a:r>
+              <a:rPr lang="en-US" altLang="ko-KR" dirty="0" err="1">
+                <a:solidFill>
+                  <a:schemeClr val="tx1"/>
+                </a:solidFill>
+              </a:rPr>
+              <a:t>nn</a:t>
+            </a:r>
+            <a:endParaRPr lang="en-US" altLang="ko-KR" dirty="0">
+              <a:solidFill>
+                <a:schemeClr val="tx1"/>
+              </a:solidFill>
+            </a:endParaRPr>
+          </a:p>
+          <a:p>
+            <a:r>
+              <a:rPr lang="ko-KR" altLang="en-US" dirty="0">
+                <a:solidFill>
+                  <a:schemeClr val="tx1"/>
+                </a:solidFill>
+              </a:rPr>
+              <a:t>교수실</a:t>
+            </a:r>
+            <a:r>
+              <a:rPr lang="en-US" altLang="ko-KR" dirty="0">
+                <a:solidFill>
+                  <a:schemeClr val="tx1"/>
+                </a:solidFill>
+              </a:rPr>
+              <a:t>(</a:t>
+            </a:r>
+            <a:r>
+              <a:rPr lang="en-US" altLang="ko-KR" dirty="0" err="1">
+                <a:solidFill>
+                  <a:schemeClr val="tx1"/>
+                </a:solidFill>
+              </a:rPr>
+              <a:t>pr_room</a:t>
+            </a:r>
+            <a:r>
+              <a:rPr lang="en-US" altLang="ko-KR" dirty="0">
+                <a:solidFill>
+                  <a:schemeClr val="tx1"/>
+                </a:solidFill>
+              </a:rPr>
+              <a:t>) varchar(45) </a:t>
+            </a:r>
+            <a:r>
+              <a:rPr lang="en-US" altLang="ko-KR" dirty="0" err="1">
+                <a:solidFill>
+                  <a:schemeClr val="tx1"/>
+                </a:solidFill>
+              </a:rPr>
+              <a:t>nn</a:t>
+            </a:r>
+            <a:endParaRPr lang="en-US" altLang="ko-KR" dirty="0">
+              <a:solidFill>
+                <a:schemeClr val="tx1"/>
+              </a:solidFill>
+            </a:endParaRPr>
+          </a:p>
+          <a:p>
+            <a:r>
+              <a:rPr lang="ko-KR" altLang="en-US" dirty="0" err="1">
+                <a:solidFill>
+                  <a:schemeClr val="tx1"/>
+                </a:solidFill>
+              </a:rPr>
+              <a:t>교수재직상태</a:t>
+            </a:r>
+            <a:r>
+              <a:rPr lang="en-US" altLang="ko-KR" dirty="0">
+                <a:solidFill>
+                  <a:schemeClr val="tx1"/>
+                </a:solidFill>
+              </a:rPr>
+              <a:t>(</a:t>
+            </a:r>
+            <a:r>
+              <a:rPr lang="en-US" altLang="ko-KR" dirty="0" err="1">
+                <a:solidFill>
+                  <a:schemeClr val="tx1"/>
+                </a:solidFill>
+              </a:rPr>
+              <a:t>pr_state</a:t>
+            </a:r>
+            <a:r>
+              <a:rPr lang="en-US" altLang="ko-KR" dirty="0">
+                <a:solidFill>
+                  <a:schemeClr val="tx1"/>
+                </a:solidFill>
+              </a:rPr>
+              <a:t>) varchar(40) default ‘</a:t>
+            </a:r>
+            <a:r>
+              <a:rPr lang="ko-KR" altLang="en-US" dirty="0">
+                <a:solidFill>
+                  <a:schemeClr val="tx1"/>
+                </a:solidFill>
+              </a:rPr>
+              <a:t>재직</a:t>
+            </a:r>
+            <a:r>
+              <a:rPr lang="en-US" altLang="ko-KR" dirty="0">
+                <a:solidFill>
+                  <a:schemeClr val="tx1"/>
+                </a:solidFill>
+              </a:rPr>
+              <a:t>’</a:t>
+            </a:r>
+          </a:p>
+          <a:p>
+            <a:r>
+              <a:rPr lang="ko-KR" altLang="en-US" dirty="0">
+                <a:solidFill>
+                  <a:schemeClr val="tx1"/>
+                </a:solidFill>
+              </a:rPr>
+              <a:t>교수직책</a:t>
+            </a:r>
+            <a:r>
+              <a:rPr lang="en-US" altLang="ko-KR" dirty="0">
+                <a:solidFill>
+                  <a:schemeClr val="tx1"/>
+                </a:solidFill>
+              </a:rPr>
+              <a:t>(</a:t>
+            </a:r>
+            <a:r>
+              <a:rPr lang="en-US" altLang="ko-KR" dirty="0" err="1">
+                <a:solidFill>
+                  <a:schemeClr val="tx1"/>
+                </a:solidFill>
+              </a:rPr>
+              <a:t>pr_position</a:t>
+            </a:r>
+            <a:r>
+              <a:rPr lang="en-US" altLang="ko-KR" dirty="0">
+                <a:solidFill>
+                  <a:schemeClr val="tx1"/>
+                </a:solidFill>
+              </a:rPr>
+              <a:t>)</a:t>
+            </a:r>
+            <a:r>
+              <a:rPr lang="ko-KR" altLang="en-US" dirty="0">
+                <a:solidFill>
+                  <a:schemeClr val="tx1"/>
+                </a:solidFill>
+              </a:rPr>
+              <a:t> </a:t>
+            </a:r>
+            <a:r>
+              <a:rPr lang="en-US" altLang="ko-KR" dirty="0">
+                <a:solidFill>
+                  <a:schemeClr val="tx1"/>
+                </a:solidFill>
+              </a:rPr>
+              <a:t>varchar(40)</a:t>
+            </a:r>
+            <a:r>
+              <a:rPr lang="ko-KR" altLang="en-US" dirty="0">
+                <a:solidFill>
+                  <a:schemeClr val="tx1"/>
+                </a:solidFill>
+              </a:rPr>
+              <a:t> </a:t>
+            </a:r>
+            <a:r>
+              <a:rPr lang="en-US" altLang="ko-KR" dirty="0">
+                <a:solidFill>
+                  <a:schemeClr val="tx1"/>
+                </a:solidFill>
+              </a:rPr>
+              <a:t>default</a:t>
+            </a:r>
+            <a:r>
+              <a:rPr lang="ko-KR" altLang="en-US" dirty="0">
+                <a:solidFill>
+                  <a:schemeClr val="tx1"/>
+                </a:solidFill>
+              </a:rPr>
+              <a:t> </a:t>
+            </a:r>
+            <a:r>
+              <a:rPr lang="en-US" altLang="ko-KR" dirty="0">
+                <a:solidFill>
+                  <a:schemeClr val="tx1"/>
+                </a:solidFill>
+              </a:rPr>
+              <a:t>‘</a:t>
+            </a:r>
+            <a:r>
+              <a:rPr lang="ko-KR" altLang="en-US" dirty="0">
+                <a:solidFill>
+                  <a:schemeClr val="tx1"/>
+                </a:solidFill>
+              </a:rPr>
+              <a:t>조교수</a:t>
+            </a:r>
+            <a:r>
+              <a:rPr lang="en-US" altLang="ko-KR" dirty="0">
+                <a:solidFill>
+                  <a:schemeClr val="tx1"/>
+                </a:solidFill>
+              </a:rPr>
+              <a:t>’</a:t>
+            </a:r>
+            <a:endParaRPr lang="ko-KR" altLang="en-US" dirty="0">
+              <a:solidFill>
+                <a:schemeClr val="tx1"/>
+              </a:solidFill>
+            </a:endParaRPr>
+          </a:p>
+        </p:txBody>
+      </p:sp>
+      <p:sp>
+        <p:nvSpPr>
+          <p:cNvPr id="7" name="직사각형 6">
+            <a:extLst>
+              <a:ext uri="{FF2B5EF4-FFF2-40B4-BE49-F238E27FC236}">
+                <a16:creationId xmlns:a16="http://schemas.microsoft.com/office/drawing/2014/main" id="{F73AB49E-67FA-30F3-E6B8-E0ECD6DC8E1C}"/>
+              </a:ext>
+            </a:extLst>
+          </p:cNvPr>
+          <p:cNvSpPr/>
+          <p:nvPr/>
+        </p:nvSpPr>
+        <p:spPr>
+          <a:xfrm>
+            <a:off x="8031480" y="5151123"/>
+            <a:ext cx="4130040" cy="1691638"/>
+          </a:xfrm>
+          <a:prstGeom prst="rect">
+            <a:avLst/>
+          </a:prstGeom>
+          <a:noFill/>
+        </p:spPr>
+        <p:style>
+          <a:lnRef idx="2">
+            <a:schemeClr val="accent1">
+              <a:shade val="15000"/>
+            </a:schemeClr>
+          </a:lnRef>
+          <a:fillRef idx="1">
+            <a:schemeClr val="accent1"/>
+          </a:fillRef>
+          <a:effectRef idx="0">
+            <a:schemeClr val="accent1"/>
+          </a:effectRef>
+          <a:fontRef idx="minor">
+            <a:schemeClr val="lt1"/>
+          </a:fontRef>
+        </p:style>
+        <p:txBody>
+          <a:bodyPr rtlCol="0" anchor="t"/>
+          <a:lstStyle/>
+          <a:p>
+            <a:r>
+              <a:rPr lang="ko-KR" altLang="en-US" dirty="0">
+                <a:solidFill>
+                  <a:schemeClr val="tx1"/>
+                </a:solidFill>
+              </a:rPr>
+              <a:t>지도테이블</a:t>
+            </a:r>
+            <a:r>
+              <a:rPr lang="en-US" altLang="ko-KR" dirty="0">
+                <a:solidFill>
+                  <a:schemeClr val="tx1"/>
+                </a:solidFill>
+              </a:rPr>
+              <a:t>(guide)</a:t>
+            </a:r>
+          </a:p>
+          <a:p>
+            <a:r>
+              <a:rPr lang="ko-KR" altLang="en-US" dirty="0">
+                <a:solidFill>
+                  <a:schemeClr val="tx1"/>
+                </a:solidFill>
+              </a:rPr>
+              <a:t>지도번호</a:t>
+            </a:r>
+            <a:r>
+              <a:rPr lang="en-US" altLang="ko-KR" dirty="0">
+                <a:solidFill>
+                  <a:schemeClr val="tx1"/>
+                </a:solidFill>
+              </a:rPr>
+              <a:t>(</a:t>
+            </a:r>
+            <a:r>
+              <a:rPr lang="en-US" altLang="ko-KR" dirty="0" err="1">
+                <a:solidFill>
+                  <a:schemeClr val="tx1"/>
+                </a:solidFill>
+              </a:rPr>
+              <a:t>gu_num</a:t>
+            </a:r>
+            <a:r>
+              <a:rPr lang="en-US" altLang="ko-KR" dirty="0">
+                <a:solidFill>
+                  <a:schemeClr val="tx1"/>
+                </a:solidFill>
+              </a:rPr>
+              <a:t>) int </a:t>
+            </a:r>
+            <a:r>
+              <a:rPr lang="en-US" altLang="ko-KR" dirty="0" err="1">
+                <a:solidFill>
+                  <a:schemeClr val="tx1"/>
+                </a:solidFill>
+              </a:rPr>
+              <a:t>nn</a:t>
+            </a:r>
+            <a:r>
+              <a:rPr lang="en-US" altLang="ko-KR" dirty="0">
+                <a:solidFill>
+                  <a:schemeClr val="tx1"/>
+                </a:solidFill>
+              </a:rPr>
+              <a:t> pk</a:t>
+            </a:r>
+          </a:p>
+          <a:p>
+            <a:r>
+              <a:rPr lang="ko-KR" altLang="en-US" dirty="0">
+                <a:solidFill>
+                  <a:schemeClr val="tx1"/>
+                </a:solidFill>
+              </a:rPr>
+              <a:t>교수번호</a:t>
+            </a:r>
+            <a:r>
+              <a:rPr lang="en-US" altLang="ko-KR" dirty="0">
+                <a:solidFill>
+                  <a:schemeClr val="tx1"/>
+                </a:solidFill>
+              </a:rPr>
+              <a:t>(</a:t>
+            </a:r>
+            <a:r>
+              <a:rPr lang="en-US" altLang="ko-KR" dirty="0" err="1">
+                <a:solidFill>
+                  <a:schemeClr val="tx1"/>
+                </a:solidFill>
+              </a:rPr>
+              <a:t>gu_pr_num</a:t>
+            </a:r>
+            <a:r>
+              <a:rPr lang="en-US" altLang="ko-KR" dirty="0">
+                <a:solidFill>
+                  <a:schemeClr val="tx1"/>
+                </a:solidFill>
+              </a:rPr>
+              <a:t>) int </a:t>
+            </a:r>
+            <a:r>
+              <a:rPr lang="en-US" altLang="ko-KR" dirty="0" err="1">
+                <a:solidFill>
+                  <a:schemeClr val="tx1"/>
+                </a:solidFill>
+              </a:rPr>
+              <a:t>nn</a:t>
+            </a:r>
+            <a:endParaRPr lang="en-US" altLang="ko-KR" dirty="0">
+              <a:solidFill>
+                <a:schemeClr val="tx1"/>
+              </a:solidFill>
+            </a:endParaRPr>
+          </a:p>
+          <a:p>
+            <a:r>
+              <a:rPr lang="ko-KR" altLang="en-US" dirty="0">
+                <a:solidFill>
+                  <a:schemeClr val="tx1"/>
+                </a:solidFill>
+              </a:rPr>
+              <a:t>학번</a:t>
+            </a:r>
+            <a:r>
+              <a:rPr lang="en-US" altLang="ko-KR" dirty="0">
+                <a:solidFill>
+                  <a:schemeClr val="tx1"/>
+                </a:solidFill>
+              </a:rPr>
+              <a:t>(</a:t>
+            </a:r>
+            <a:r>
+              <a:rPr lang="en-US" altLang="ko-KR" dirty="0" err="1">
+                <a:solidFill>
+                  <a:schemeClr val="tx1"/>
+                </a:solidFill>
+              </a:rPr>
+              <a:t>gu_st_num</a:t>
+            </a:r>
+            <a:r>
+              <a:rPr lang="en-US" altLang="ko-KR" dirty="0">
+                <a:solidFill>
+                  <a:schemeClr val="tx1"/>
+                </a:solidFill>
+              </a:rPr>
+              <a:t>)int </a:t>
+            </a:r>
+            <a:r>
+              <a:rPr lang="en-US" altLang="ko-KR" dirty="0" err="1">
+                <a:solidFill>
+                  <a:schemeClr val="tx1"/>
+                </a:solidFill>
+              </a:rPr>
+              <a:t>nn</a:t>
+            </a:r>
+            <a:endParaRPr lang="en-US" altLang="ko-KR" dirty="0">
+              <a:solidFill>
+                <a:schemeClr val="tx1"/>
+              </a:solidFill>
+            </a:endParaRPr>
+          </a:p>
+          <a:p>
+            <a:r>
+              <a:rPr lang="ko-KR" altLang="en-US" dirty="0">
+                <a:solidFill>
+                  <a:schemeClr val="tx1"/>
+                </a:solidFill>
+              </a:rPr>
+              <a:t>학기</a:t>
+            </a:r>
+            <a:r>
+              <a:rPr lang="en-US" altLang="ko-KR" dirty="0">
+                <a:solidFill>
+                  <a:schemeClr val="tx1"/>
+                </a:solidFill>
+              </a:rPr>
+              <a:t>(</a:t>
+            </a:r>
+            <a:r>
+              <a:rPr lang="en-US" altLang="ko-KR" dirty="0" err="1">
+                <a:solidFill>
+                  <a:schemeClr val="tx1"/>
+                </a:solidFill>
+              </a:rPr>
+              <a:t>gu_year</a:t>
+            </a:r>
+            <a:r>
+              <a:rPr lang="en-US" altLang="ko-KR" dirty="0">
+                <a:solidFill>
+                  <a:schemeClr val="tx1"/>
+                </a:solidFill>
+              </a:rPr>
+              <a:t>) int </a:t>
+            </a:r>
+            <a:endParaRPr lang="ko-KR" altLang="en-US" dirty="0">
+              <a:solidFill>
+                <a:schemeClr val="tx1"/>
+              </a:solidFill>
+            </a:endParaRPr>
+          </a:p>
+        </p:txBody>
+      </p:sp>
+    </p:spTree>
+    <p:extLst>
+      <p:ext uri="{BB962C8B-B14F-4D97-AF65-F5344CB8AC3E}">
+        <p14:creationId xmlns:p14="http://schemas.microsoft.com/office/powerpoint/2010/main" val="3456740330"/>
       </p:ext>
     </p:extLst>
   </p:cSld>
